--- a/classes/dm2017/DigitalMedia2_14.pptx
+++ b/classes/dm2017/DigitalMedia2_14.pptx
@@ -4275,7 +4275,27 @@
             </a:r>
             <a:r>
               <a:rPr kumimoji="1" lang="ja-JP" altLang="en-US" sz="2000" dirty="0" smtClean="0"/>
-              <a:t>など外部ライブラリを呼び出しは禁止する</a:t>
+              <a:t>など</a:t>
+            </a:r>
+            <a:r>
+              <a:rPr kumimoji="1" lang="ja-JP" altLang="en-US" sz="2000" smtClean="0"/>
+              <a:t>外部</a:t>
+            </a:r>
+            <a:r>
+              <a:rPr kumimoji="1" lang="ja-JP" altLang="en-US" sz="2000" smtClean="0"/>
+              <a:t>ライブラリ</a:t>
+            </a:r>
+            <a:r>
+              <a:rPr lang="ja-JP" altLang="en-US" sz="2000"/>
+              <a:t>の</a:t>
+            </a:r>
+            <a:r>
+              <a:rPr kumimoji="1" lang="ja-JP" altLang="en-US" sz="2000" smtClean="0"/>
+              <a:t>呼び出し</a:t>
+            </a:r>
+            <a:r>
+              <a:rPr kumimoji="1" lang="ja-JP" altLang="en-US" sz="2000" dirty="0" smtClean="0"/>
+              <a:t>は禁止する</a:t>
             </a:r>
             <a:endParaRPr kumimoji="1" lang="en-US" altLang="ja-JP" sz="2000" dirty="0"/>
           </a:p>

--- a/classes/dm2017/DigitalMedia2_14.pptx
+++ b/classes/dm2017/DigitalMedia2_14.pptx
@@ -200,7 +200,7 @@
           <a:p>
             <a:fld id="{B5D18E4F-8904-49F0-A966-ED8BC304F0DA}" type="datetimeFigureOut">
               <a:rPr kumimoji="1" lang="ja-JP" altLang="en-US" smtClean="0"/>
-              <a:t>2017/6/20</a:t>
+              <a:t>2017/6/27</a:t>
             </a:fld>
             <a:endParaRPr kumimoji="1" lang="ja-JP" altLang="en-US"/>
           </a:p>
@@ -639,7 +639,7 @@
           <a:p>
             <a:fld id="{B10875E1-285E-4E62-A15A-65F7A0855A09}" type="datetimeFigureOut">
               <a:rPr kumimoji="1" lang="ja-JP" altLang="en-US" smtClean="0"/>
-              <a:t>2017/6/20</a:t>
+              <a:t>2017/6/27</a:t>
             </a:fld>
             <a:endParaRPr kumimoji="1" lang="ja-JP" altLang="en-US"/>
           </a:p>
@@ -865,7 +865,7 @@
           <a:p>
             <a:fld id="{B10875E1-285E-4E62-A15A-65F7A0855A09}" type="datetimeFigureOut">
               <a:rPr kumimoji="1" lang="ja-JP" altLang="en-US" smtClean="0"/>
-              <a:t>2017/6/20</a:t>
+              <a:t>2017/6/27</a:t>
             </a:fld>
             <a:endParaRPr kumimoji="1" lang="ja-JP" altLang="en-US"/>
           </a:p>
@@ -1101,7 +1101,7 @@
           <a:p>
             <a:fld id="{B10875E1-285E-4E62-A15A-65F7A0855A09}" type="datetimeFigureOut">
               <a:rPr kumimoji="1" lang="ja-JP" altLang="en-US" smtClean="0"/>
-              <a:t>2017/6/20</a:t>
+              <a:t>2017/6/27</a:t>
             </a:fld>
             <a:endParaRPr kumimoji="1" lang="ja-JP" altLang="en-US"/>
           </a:p>
@@ -1525,7 +1525,7 @@
           <a:p>
             <a:fld id="{B10875E1-285E-4E62-A15A-65F7A0855A09}" type="datetimeFigureOut">
               <a:rPr kumimoji="1" lang="ja-JP" altLang="en-US" smtClean="0"/>
-              <a:t>2017/6/20</a:t>
+              <a:t>2017/6/27</a:t>
             </a:fld>
             <a:endParaRPr kumimoji="1" lang="ja-JP" altLang="en-US"/>
           </a:p>
@@ -1934,7 +1934,7 @@
             <a:fld id="{B10875E1-285E-4E62-A15A-65F7A0855A09}" type="datetimeFigureOut">
               <a:rPr lang="ja-JP" altLang="en-US" smtClean="0"/>
               <a:pPr/>
-              <a:t>2017/6/20</a:t>
+              <a:t>2017/6/27</a:t>
             </a:fld>
             <a:endParaRPr lang="ja-JP" altLang="en-US"/>
           </a:p>
@@ -2503,7 +2503,7 @@
             <a:fld id="{B10875E1-285E-4E62-A15A-65F7A0855A09}" type="datetimeFigureOut">
               <a:rPr lang="ja-JP" altLang="en-US" smtClean="0"/>
               <a:pPr/>
-              <a:t>2017/6/20</a:t>
+              <a:t>2017/6/27</a:t>
             </a:fld>
             <a:endParaRPr lang="ja-JP" altLang="en-US"/>
           </a:p>
@@ -2662,7 +2662,7 @@
           <a:p>
             <a:fld id="{B10875E1-285E-4E62-A15A-65F7A0855A09}" type="datetimeFigureOut">
               <a:rPr kumimoji="1" lang="ja-JP" altLang="en-US" smtClean="0"/>
-              <a:t>2017/6/20</a:t>
+              <a:t>2017/6/27</a:t>
             </a:fld>
             <a:endParaRPr kumimoji="1" lang="ja-JP" altLang="en-US"/>
           </a:p>
@@ -2781,7 +2781,7 @@
           <a:p>
             <a:fld id="{B10875E1-285E-4E62-A15A-65F7A0855A09}" type="datetimeFigureOut">
               <a:rPr kumimoji="1" lang="ja-JP" altLang="en-US" smtClean="0"/>
-              <a:t>2017/6/20</a:t>
+              <a:t>2017/6/27</a:t>
             </a:fld>
             <a:endParaRPr kumimoji="1" lang="ja-JP" altLang="en-US"/>
           </a:p>
@@ -3114,7 +3114,7 @@
           <a:p>
             <a:fld id="{B10875E1-285E-4E62-A15A-65F7A0855A09}" type="datetimeFigureOut">
               <a:rPr kumimoji="1" lang="ja-JP" altLang="en-US" smtClean="0"/>
-              <a:t>2017/6/20</a:t>
+              <a:t>2017/6/27</a:t>
             </a:fld>
             <a:endParaRPr kumimoji="1" lang="ja-JP" altLang="en-US"/>
           </a:p>
@@ -3391,7 +3391,7 @@
           <a:p>
             <a:fld id="{B10875E1-285E-4E62-A15A-65F7A0855A09}" type="datetimeFigureOut">
               <a:rPr kumimoji="1" lang="ja-JP" altLang="en-US" smtClean="0"/>
-              <a:t>2017/6/20</a:t>
+              <a:t>2017/6/27</a:t>
             </a:fld>
             <a:endParaRPr kumimoji="1" lang="ja-JP" altLang="en-US"/>
           </a:p>
@@ -4106,8 +4106,8 @@
         </p:nvSpPr>
         <p:spPr>
           <a:xfrm>
-            <a:off x="457199" y="2418432"/>
-            <a:ext cx="11473211" cy="1867818"/>
+            <a:off x="457199" y="2418431"/>
+            <a:ext cx="11473211" cy="2986945"/>
           </a:xfrm>
         </p:spPr>
         <p:txBody>
@@ -4145,6 +4145,49 @@
             <a:endParaRPr lang="en-US" altLang="ja-JP" dirty="0" smtClean="0"/>
           </a:p>
           <a:p>
+            <a:endParaRPr lang="en-US" altLang="ja-JP" dirty="0" smtClean="0"/>
+          </a:p>
+          <a:p>
+            <a:r>
+              <a:rPr lang="ja-JP" altLang="en-US" dirty="0" smtClean="0"/>
+              <a:t>ヒントや実施方法の詳細について，</a:t>
+            </a:r>
+            <a:r>
+              <a:rPr lang="en-US" altLang="ja-JP" dirty="0" smtClean="0"/>
+              <a:t>11</a:t>
+            </a:r>
+            <a:r>
+              <a:rPr lang="ja-JP" altLang="en-US" dirty="0" smtClean="0"/>
+              <a:t>回講義にて解説します</a:t>
+            </a:r>
+            <a:endParaRPr lang="en-US" altLang="ja-JP" dirty="0" smtClean="0"/>
+          </a:p>
+          <a:p>
+            <a:pPr marL="0" indent="0">
+              <a:buNone/>
+            </a:pPr>
+            <a:r>
+              <a:rPr lang="ja-JP" altLang="en-US" dirty="0" smtClean="0"/>
+              <a:t> </a:t>
+            </a:r>
+            <a:r>
+              <a:rPr lang="en-US" altLang="ja-JP" dirty="0" smtClean="0">
+                <a:sym typeface="Wingdings" panose="05000000000000000000" pitchFamily="2" charset="2"/>
+              </a:rPr>
+              <a:t> </a:t>
+            </a:r>
+            <a:r>
+              <a:rPr lang="ja-JP" altLang="en-US" dirty="0" smtClean="0"/>
+              <a:t>見落とした方は</a:t>
+            </a:r>
+            <a:r>
+              <a:rPr lang="en-US" altLang="ja-JP" dirty="0" smtClean="0"/>
+              <a:t>LMS</a:t>
+            </a:r>
+            <a:r>
+              <a:rPr lang="ja-JP" altLang="en-US" dirty="0" smtClean="0"/>
+              <a:t>で講義動画を参照してください</a:t>
+            </a:r>
             <a:endParaRPr lang="en-US" altLang="ja-JP" dirty="0"/>
           </a:p>
           <a:p>
@@ -4206,98 +4249,89 @@
           </a:xfrm>
         </p:spPr>
         <p:txBody>
-          <a:bodyPr/>
+          <a:bodyPr>
+            <a:normAutofit/>
+          </a:bodyPr>
           <a:lstStyle/>
           <a:p>
             <a:pPr marL="0" indent="0">
               <a:buNone/>
             </a:pPr>
             <a:r>
-              <a:rPr lang="ja-JP" altLang="en-US" dirty="0"/>
-              <a:t>グレースケール</a:t>
-            </a:r>
-            <a:r>
-              <a:rPr lang="ja-JP" altLang="en-US" dirty="0" smtClean="0"/>
-              <a:t>画像</a:t>
-            </a:r>
-            <a:r>
-              <a:rPr lang="ja-JP" altLang="en-US" dirty="0"/>
+              <a:rPr lang="ja-JP" altLang="en-US" sz="2400" dirty="0" smtClean="0"/>
+              <a:t>問</a:t>
+            </a:r>
+            <a:r>
+              <a:rPr lang="en-US" altLang="ja-JP" sz="2400" dirty="0" smtClean="0"/>
+              <a:t>1) </a:t>
+            </a:r>
+          </a:p>
+          <a:p>
+            <a:pPr marL="0" indent="0">
+              <a:buNone/>
+            </a:pPr>
+            <a:r>
+              <a:rPr lang="ja-JP" altLang="en-US" sz="2400" dirty="0" smtClean="0"/>
+              <a:t>グレースケール画像</a:t>
+            </a:r>
+            <a:r>
+              <a:rPr lang="ja-JP" altLang="en-US" sz="2400" dirty="0"/>
               <a:t>に</a:t>
             </a:r>
             <a:r>
-              <a:rPr lang="en-US" altLang="ja-JP" dirty="0" smtClean="0"/>
+              <a:rPr lang="en-US" altLang="ja-JP" sz="2400" dirty="0" smtClean="0"/>
               <a:t>3x3 </a:t>
             </a:r>
             <a:r>
-              <a:rPr lang="ja-JP" altLang="en-US" dirty="0" smtClean="0"/>
+              <a:rPr lang="ja-JP" altLang="en-US" sz="2400" dirty="0" smtClean="0"/>
               <a:t>ソーベルフィルタを計算する関数を示せ</a:t>
             </a:r>
-            <a:endParaRPr lang="en-US" altLang="ja-JP" dirty="0" smtClean="0"/>
-          </a:p>
-          <a:p>
-            <a:r>
-              <a:rPr lang="en-US" altLang="ja-JP" sz="2000" dirty="0" smtClean="0"/>
+            <a:endParaRPr lang="en-US" altLang="ja-JP" sz="2400" dirty="0" smtClean="0"/>
+          </a:p>
+          <a:p>
+            <a:r>
+              <a:rPr lang="en-US" altLang="ja-JP" sz="1800" dirty="0" smtClean="0"/>
               <a:t>C/C++, python, java</a:t>
             </a:r>
             <a:r>
-              <a:rPr lang="ja-JP" altLang="en-US" sz="2000" dirty="0" smtClean="0"/>
+              <a:rPr lang="ja-JP" altLang="en-US" sz="1800" dirty="0" smtClean="0"/>
               <a:t>のいずれかの言語を利用すること</a:t>
             </a:r>
-            <a:endParaRPr lang="en-US" altLang="ja-JP" sz="2000" dirty="0" smtClean="0"/>
-          </a:p>
-          <a:p>
-            <a:r>
-              <a:rPr lang="ja-JP" altLang="en-US" sz="2000" dirty="0" smtClean="0"/>
+            <a:endParaRPr lang="en-US" altLang="ja-JP" sz="1800" dirty="0" smtClean="0"/>
+          </a:p>
+          <a:p>
+            <a:r>
+              <a:rPr lang="ja-JP" altLang="en-US" sz="1800" dirty="0" smtClean="0"/>
               <a:t>関数の仕様（</a:t>
             </a:r>
             <a:r>
-              <a:rPr lang="ja-JP" altLang="en-US" sz="2000" dirty="0"/>
+              <a:rPr lang="ja-JP" altLang="en-US" sz="1800" dirty="0"/>
               <a:t>引数や返り値</a:t>
             </a:r>
             <a:r>
-              <a:rPr lang="ja-JP" altLang="en-US" sz="2000" dirty="0" smtClean="0"/>
+              <a:rPr lang="ja-JP" altLang="en-US" sz="1800" dirty="0" smtClean="0"/>
               <a:t>など）は自由に定めて良いが，</a:t>
             </a:r>
             <a:r>
-              <a:rPr lang="ja-JP" altLang="en-US" sz="2000" dirty="0"/>
+              <a:rPr lang="ja-JP" altLang="en-US" sz="1800" dirty="0"/>
               <a:t>関数の</a:t>
             </a:r>
             <a:r>
-              <a:rPr lang="ja-JP" altLang="en-US" sz="2000" dirty="0" smtClean="0"/>
+              <a:rPr lang="ja-JP" altLang="en-US" sz="1800" dirty="0" smtClean="0"/>
               <a:t>説明をコメントに記載すること</a:t>
             </a:r>
-            <a:endParaRPr lang="en-US" altLang="ja-JP" sz="2000" dirty="0" smtClean="0"/>
-          </a:p>
-          <a:p>
-            <a:r>
-              <a:rPr kumimoji="1" lang="en-US" altLang="ja-JP" sz="2000" dirty="0" err="1" smtClean="0"/>
+            <a:endParaRPr lang="en-US" altLang="ja-JP" sz="1800" dirty="0" smtClean="0"/>
+          </a:p>
+          <a:p>
+            <a:r>
+              <a:rPr kumimoji="1" lang="en-US" altLang="ja-JP" sz="1800" dirty="0" err="1" smtClean="0"/>
               <a:t>OpenCV</a:t>
             </a:r>
             <a:r>
-              <a:rPr kumimoji="1" lang="ja-JP" altLang="en-US" sz="2000" dirty="0" smtClean="0"/>
-              <a:t>など</a:t>
-            </a:r>
-            <a:r>
-              <a:rPr kumimoji="1" lang="ja-JP" altLang="en-US" sz="2000" smtClean="0"/>
-              <a:t>外部</a:t>
-            </a:r>
-            <a:r>
-              <a:rPr kumimoji="1" lang="ja-JP" altLang="en-US" sz="2000" smtClean="0"/>
-              <a:t>ライブラリ</a:t>
-            </a:r>
-            <a:r>
-              <a:rPr lang="ja-JP" altLang="en-US" sz="2000"/>
-              <a:t>の</a:t>
-            </a:r>
-            <a:r>
-              <a:rPr kumimoji="1" lang="ja-JP" altLang="en-US" sz="2000" smtClean="0"/>
-              <a:t>呼び出し</a:t>
-            </a:r>
-            <a:r>
-              <a:rPr kumimoji="1" lang="ja-JP" altLang="en-US" sz="2000" dirty="0" smtClean="0"/>
-              <a:t>は禁止する</a:t>
-            </a:r>
-            <a:endParaRPr kumimoji="1" lang="en-US" altLang="ja-JP" sz="2000" dirty="0"/>
+              <a:rPr kumimoji="1" lang="ja-JP" altLang="en-US" sz="1800" dirty="0" smtClean="0"/>
+              <a:t>など外部ライブラリを呼び出しは禁止する</a:t>
+            </a:r>
+            <a:endParaRPr kumimoji="1" lang="en-US" altLang="ja-JP" sz="1800" dirty="0"/>
           </a:p>
           <a:p>
             <a:pPr marL="0" indent="0">
@@ -4310,7 +4344,7 @@
               <a:buNone/>
             </a:pPr>
             <a:r>
-              <a:rPr lang="en-US" altLang="ja-JP" sz="2000" dirty="0" smtClean="0">
+              <a:rPr lang="en-US" altLang="ja-JP" sz="1600" dirty="0" smtClean="0">
                 <a:solidFill>
                   <a:srgbClr val="00B050"/>
                 </a:solidFill>
@@ -4318,14 +4352,22 @@
               <a:t>// </a:t>
             </a:r>
             <a:r>
-              <a:rPr lang="ja-JP" altLang="en-US" sz="2000" dirty="0" smtClean="0">
+              <a:rPr lang="ja-JP" altLang="en-US" sz="1600" dirty="0" smtClean="0">
                 <a:solidFill>
                   <a:srgbClr val="00B050"/>
                 </a:solidFill>
               </a:rPr>
-              <a:t>例</a:t>
-            </a:r>
-            <a:endParaRPr lang="en-US" altLang="ja-JP" sz="2000" dirty="0" smtClean="0">
+              <a:t>解答例（途中まで</a:t>
+            </a:r>
+            <a:r>
+              <a:rPr lang="en-US" altLang="ja-JP" sz="1600" smtClean="0">
+                <a:solidFill>
+                  <a:srgbClr val="00B050"/>
+                </a:solidFill>
+              </a:rPr>
+              <a:t>)</a:t>
+            </a:r>
+            <a:endParaRPr lang="en-US" altLang="ja-JP" sz="1600" dirty="0" smtClean="0">
               <a:solidFill>
                 <a:srgbClr val="00B050"/>
               </a:solidFill>
@@ -4336,7 +4378,7 @@
               <a:buNone/>
             </a:pPr>
             <a:r>
-              <a:rPr lang="en-US" altLang="ja-JP" sz="2000" dirty="0" smtClean="0">
+              <a:rPr lang="en-US" altLang="ja-JP" sz="1600" dirty="0" smtClean="0">
                 <a:solidFill>
                   <a:srgbClr val="00B050"/>
                 </a:solidFill>
@@ -4344,7 +4386,7 @@
               <a:t>// </a:t>
             </a:r>
             <a:r>
-              <a:rPr lang="ja-JP" altLang="en-US" sz="2000" dirty="0" smtClean="0">
+              <a:rPr lang="ja-JP" altLang="en-US" sz="1600" dirty="0" smtClean="0">
                 <a:solidFill>
                   <a:srgbClr val="00B050"/>
                 </a:solidFill>
@@ -4352,7 +4394,7 @@
               <a:t>画像サイズは </a:t>
             </a:r>
             <a:r>
-              <a:rPr lang="en-US" altLang="ja-JP" sz="2000" dirty="0" smtClean="0">
+              <a:rPr lang="en-US" altLang="ja-JP" sz="1600" dirty="0" smtClean="0">
                 <a:solidFill>
                   <a:srgbClr val="00B050"/>
                 </a:solidFill>
@@ -4365,7 +4407,7 @@
               <a:buNone/>
             </a:pPr>
             <a:r>
-              <a:rPr lang="en-US" altLang="ja-JP" sz="2000" dirty="0" smtClean="0">
+              <a:rPr lang="en-US" altLang="ja-JP" sz="1600" dirty="0" smtClean="0">
                 <a:solidFill>
                   <a:srgbClr val="00B050"/>
                 </a:solidFill>
@@ -4373,7 +4415,7 @@
               <a:t>// </a:t>
             </a:r>
             <a:r>
-              <a:rPr lang="en-US" altLang="ja-JP" sz="2000" dirty="0" err="1" smtClean="0">
+              <a:rPr lang="en-US" altLang="ja-JP" sz="1600" dirty="0" err="1" smtClean="0">
                 <a:solidFill>
                   <a:srgbClr val="00B050"/>
                 </a:solidFill>
@@ -4381,7 +4423,7 @@
               <a:t>img_in</a:t>
             </a:r>
             <a:r>
-              <a:rPr lang="ja-JP" altLang="en-US" sz="2000" dirty="0" smtClean="0">
+              <a:rPr lang="ja-JP" altLang="en-US" sz="1600" dirty="0" smtClean="0">
                 <a:solidFill>
                   <a:srgbClr val="00B050"/>
                 </a:solidFill>
@@ -4389,7 +4431,7 @@
               <a:t>と</a:t>
             </a:r>
             <a:r>
-              <a:rPr lang="en-US" altLang="ja-JP" sz="2000" dirty="0" err="1" smtClean="0">
+              <a:rPr lang="en-US" altLang="ja-JP" sz="1600" dirty="0" err="1" smtClean="0">
                 <a:solidFill>
                   <a:srgbClr val="00B050"/>
                 </a:solidFill>
@@ -4397,14 +4439,14 @@
               <a:t>img_out</a:t>
             </a:r>
             <a:r>
-              <a:rPr lang="ja-JP" altLang="en-US" sz="2000" dirty="0" smtClean="0">
+              <a:rPr lang="ja-JP" altLang="en-US" sz="1600" dirty="0" smtClean="0">
                 <a:solidFill>
                   <a:srgbClr val="00B050"/>
                 </a:solidFill>
               </a:rPr>
               <a:t>は入力画像と出力画像</a:t>
             </a:r>
-            <a:endParaRPr lang="en-US" altLang="ja-JP" sz="2000" dirty="0" smtClean="0">
+            <a:endParaRPr lang="en-US" altLang="ja-JP" sz="1600" dirty="0" smtClean="0">
               <a:solidFill>
                 <a:srgbClr val="00B050"/>
               </a:solidFill>
@@ -4415,51 +4457,51 @@
               <a:buNone/>
             </a:pPr>
             <a:r>
-              <a:rPr lang="en-US" altLang="ja-JP" sz="2000" dirty="0" smtClean="0"/>
+              <a:rPr lang="en-US" altLang="ja-JP" sz="1600" dirty="0" smtClean="0"/>
               <a:t>void </a:t>
             </a:r>
             <a:r>
-              <a:rPr lang="en-US" altLang="ja-JP" sz="2000" dirty="0" err="1" smtClean="0"/>
+              <a:rPr lang="en-US" altLang="ja-JP" sz="1600" dirty="0" err="1" smtClean="0"/>
               <a:t>sobel_x</a:t>
             </a:r>
             <a:r>
-              <a:rPr lang="en-US" altLang="ja-JP" sz="2000" dirty="0" smtClean="0"/>
+              <a:rPr lang="en-US" altLang="ja-JP" sz="1600" dirty="0" smtClean="0"/>
               <a:t> ( </a:t>
             </a:r>
             <a:r>
-              <a:rPr lang="en-US" altLang="ja-JP" sz="2000" dirty="0" err="1" smtClean="0"/>
+              <a:rPr lang="en-US" altLang="ja-JP" sz="1600" dirty="0" err="1" smtClean="0"/>
               <a:t>int</a:t>
             </a:r>
             <a:r>
-              <a:rPr lang="en-US" altLang="ja-JP" sz="2000" dirty="0" smtClean="0"/>
+              <a:rPr lang="en-US" altLang="ja-JP" sz="1600" dirty="0" smtClean="0"/>
               <a:t> width, </a:t>
             </a:r>
             <a:r>
-              <a:rPr lang="en-US" altLang="ja-JP" sz="2000" dirty="0" err="1" smtClean="0"/>
+              <a:rPr lang="en-US" altLang="ja-JP" sz="1600" dirty="0" err="1" smtClean="0"/>
               <a:t>int</a:t>
             </a:r>
             <a:r>
-              <a:rPr lang="en-US" altLang="ja-JP" sz="2000" dirty="0" smtClean="0"/>
+              <a:rPr lang="en-US" altLang="ja-JP" sz="1600" dirty="0" smtClean="0"/>
               <a:t> height, float *</a:t>
             </a:r>
             <a:r>
-              <a:rPr lang="en-US" altLang="ja-JP" sz="2000" dirty="0" err="1" smtClean="0"/>
+              <a:rPr lang="en-US" altLang="ja-JP" sz="1600" dirty="0" err="1" smtClean="0"/>
               <a:t>img_in</a:t>
             </a:r>
             <a:r>
-              <a:rPr lang="en-US" altLang="ja-JP" sz="2000" dirty="0" smtClean="0"/>
+              <a:rPr lang="en-US" altLang="ja-JP" sz="1600" dirty="0" smtClean="0"/>
               <a:t>, </a:t>
             </a:r>
             <a:r>
-              <a:rPr lang="en-US" altLang="ja-JP" sz="2000" dirty="0"/>
+              <a:rPr lang="en-US" altLang="ja-JP" sz="1600" dirty="0"/>
               <a:t>float *</a:t>
             </a:r>
             <a:r>
-              <a:rPr lang="en-US" altLang="ja-JP" sz="2000" dirty="0" err="1" smtClean="0"/>
+              <a:rPr lang="en-US" altLang="ja-JP" sz="1600" dirty="0" err="1" smtClean="0"/>
               <a:t>img_out</a:t>
             </a:r>
             <a:r>
-              <a:rPr lang="en-US" altLang="ja-JP" sz="2000" dirty="0" smtClean="0"/>
+              <a:rPr lang="en-US" altLang="ja-JP" sz="1600" dirty="0" smtClean="0"/>
               <a:t>)</a:t>
             </a:r>
           </a:p>
@@ -4468,7 +4510,7 @@
               <a:buNone/>
             </a:pPr>
             <a:r>
-              <a:rPr kumimoji="1" lang="en-US" altLang="ja-JP" sz="2000" dirty="0" smtClean="0"/>
+              <a:rPr kumimoji="1" lang="en-US" altLang="ja-JP" sz="1600" dirty="0" smtClean="0"/>
               <a:t>{</a:t>
             </a:r>
           </a:p>
@@ -4476,24 +4518,108 @@
             <a:pPr marL="0" indent="0">
               <a:buNone/>
             </a:pPr>
-            <a:endParaRPr lang="en-US" altLang="ja-JP" sz="2000" dirty="0"/>
+            <a:r>
+              <a:rPr lang="en-US" altLang="ja-JP" sz="1600" dirty="0"/>
+              <a:t> </a:t>
+            </a:r>
+            <a:r>
+              <a:rPr lang="en-US" altLang="ja-JP" sz="1600" dirty="0" smtClean="0"/>
+              <a:t>   for( </a:t>
+            </a:r>
+            <a:r>
+              <a:rPr lang="en-US" altLang="ja-JP" sz="1600" dirty="0" err="1" smtClean="0"/>
+              <a:t>int</a:t>
+            </a:r>
+            <a:r>
+              <a:rPr lang="en-US" altLang="ja-JP" sz="1600" dirty="0" smtClean="0"/>
+              <a:t> </a:t>
+            </a:r>
+            <a:r>
+              <a:rPr lang="en-US" altLang="ja-JP" sz="1600" dirty="0" err="1" smtClean="0"/>
+              <a:t>i</a:t>
+            </a:r>
+            <a:r>
+              <a:rPr lang="en-US" altLang="ja-JP" sz="1600" dirty="0" smtClean="0"/>
+              <a:t> = 0; </a:t>
+            </a:r>
+            <a:r>
+              <a:rPr lang="en-US" altLang="ja-JP" sz="1600" dirty="0" err="1" smtClean="0"/>
+              <a:t>i</a:t>
+            </a:r>
+            <a:r>
+              <a:rPr lang="en-US" altLang="ja-JP" sz="1600" dirty="0" smtClean="0"/>
+              <a:t> &lt; height; ++</a:t>
+            </a:r>
+            <a:r>
+              <a:rPr lang="en-US" altLang="ja-JP" sz="1600" dirty="0" err="1" smtClean="0"/>
+              <a:t>i</a:t>
+            </a:r>
+            <a:r>
+              <a:rPr lang="en-US" altLang="ja-JP" sz="1600" dirty="0" smtClean="0"/>
+              <a:t>){</a:t>
+            </a:r>
           </a:p>
           <a:p>
             <a:pPr marL="0" indent="0">
               <a:buNone/>
             </a:pPr>
             <a:r>
-              <a:rPr kumimoji="1" lang="en-US" altLang="ja-JP" sz="2000" dirty="0" smtClean="0"/>
+              <a:rPr lang="en-US" altLang="ja-JP" sz="1600" dirty="0"/>
+              <a:t> </a:t>
+            </a:r>
+            <a:r>
+              <a:rPr lang="en-US" altLang="ja-JP" sz="1600" dirty="0" smtClean="0"/>
+              <a:t>       for(</a:t>
+            </a:r>
+            <a:r>
+              <a:rPr lang="en-US" altLang="ja-JP" sz="1600" dirty="0" err="1" smtClean="0"/>
+              <a:t>int</a:t>
+            </a:r>
+            <a:r>
+              <a:rPr lang="en-US" altLang="ja-JP" sz="1600" dirty="0" smtClean="0"/>
+              <a:t> j = 0; j &lt; width; ++j) { </a:t>
+            </a:r>
+          </a:p>
+          <a:p>
+            <a:pPr marL="0" indent="0">
+              <a:buNone/>
+            </a:pPr>
+            <a:r>
+              <a:rPr lang="en-US" altLang="ja-JP" sz="1600" dirty="0"/>
+              <a:t> </a:t>
+            </a:r>
+            <a:r>
+              <a:rPr lang="en-US" altLang="ja-JP" sz="1600" dirty="0" smtClean="0"/>
+              <a:t>           </a:t>
+            </a:r>
+            <a:r>
+              <a:rPr lang="en-US" altLang="ja-JP" sz="1600" dirty="0" err="1" smtClean="0"/>
+              <a:t>img_out</a:t>
+            </a:r>
+            <a:r>
+              <a:rPr lang="en-US" altLang="ja-JP" sz="1600" dirty="0" smtClean="0"/>
+              <a:t>[</a:t>
+            </a:r>
+            <a:r>
+              <a:rPr lang="en-US" altLang="ja-JP" sz="1600" dirty="0" err="1" smtClean="0"/>
+              <a:t>i</a:t>
+            </a:r>
+            <a:r>
+              <a:rPr lang="en-US" altLang="ja-JP" sz="1600" dirty="0" smtClean="0"/>
+              <a:t>*width + j] = …</a:t>
+            </a:r>
+            <a:r>
+              <a:rPr kumimoji="1" lang="en-US" altLang="ja-JP" sz="1600" dirty="0" smtClean="0"/>
               <a:t/>
             </a:r>
             <a:br>
-              <a:rPr kumimoji="1" lang="en-US" altLang="ja-JP" sz="2000" dirty="0" smtClean="0"/>
+              <a:rPr kumimoji="1" lang="en-US" altLang="ja-JP" sz="1600" dirty="0" smtClean="0"/>
             </a:br>
             <a:r>
-              <a:rPr kumimoji="1" lang="en-US" altLang="ja-JP" sz="2000" dirty="0" smtClean="0"/>
-              <a:t>}</a:t>
-            </a:r>
-            <a:endParaRPr kumimoji="1" lang="ja-JP" altLang="en-US" sz="2000" dirty="0"/>
+              <a:rPr kumimoji="1" lang="en-US" altLang="ja-JP" sz="1600" dirty="0" smtClean="0"/>
+              <a:t>  </a:t>
+            </a:r>
+            <a:endParaRPr kumimoji="1" lang="ja-JP" altLang="en-US" sz="1600" dirty="0"/>
           </a:p>
         </p:txBody>
       </p:sp>
@@ -4539,8 +4665,8 @@
         </p:nvSpPr>
         <p:spPr>
           <a:xfrm>
-            <a:off x="317635" y="330200"/>
-            <a:ext cx="11088302" cy="6228709"/>
+            <a:off x="317635" y="196770"/>
+            <a:ext cx="11088302" cy="6661230"/>
           </a:xfrm>
         </p:spPr>
         <p:txBody>
@@ -4562,99 +4688,13 @@
               <a:buNone/>
             </a:pPr>
             <a:r>
+              <a:rPr lang="ja-JP" altLang="en-US" sz="2400" dirty="0" smtClean="0"/>
+              <a:t>問</a:t>
+            </a:r>
+            <a:r>
               <a:rPr lang="en-US" altLang="ja-JP" sz="2400" dirty="0" smtClean="0"/>
-              <a:t>1) </a:t>
-            </a:r>
-            <a:r>
-              <a:rPr lang="ja-JP" altLang="en-US" sz="2400" dirty="0" smtClean="0"/>
-              <a:t>回転に対して不変な特徴ベクトルを独自に設計しその計算法を簡潔</a:t>
-            </a:r>
-            <a:r>
-              <a:rPr lang="ja-JP" altLang="en-US" sz="2400" dirty="0"/>
-              <a:t>に</a:t>
-            </a:r>
-            <a:r>
-              <a:rPr lang="ja-JP" altLang="en-US" sz="2400" dirty="0" smtClean="0"/>
-              <a:t>示せ</a:t>
-            </a:r>
-            <a:endParaRPr lang="en-US" altLang="ja-JP" sz="2400" dirty="0" smtClean="0"/>
-          </a:p>
-          <a:p>
-            <a:pPr>
-              <a:lnSpc>
-                <a:spcPct val="110000"/>
-              </a:lnSpc>
-              <a:spcBef>
-                <a:spcPts val="0"/>
-              </a:spcBef>
-            </a:pPr>
-            <a:r>
-              <a:rPr lang="ja-JP" altLang="en-US" sz="1600" dirty="0" smtClean="0"/>
-              <a:t>勾配や</a:t>
-            </a:r>
-            <a:r>
-              <a:rPr lang="en-US" altLang="ja-JP" sz="1600" dirty="0" err="1" smtClean="0"/>
-              <a:t>DoG</a:t>
-            </a:r>
-            <a:r>
-              <a:rPr lang="ja-JP" altLang="en-US" sz="1600" dirty="0" smtClean="0"/>
-              <a:t>など，講義中に解説した手法については説明なしに利用して良いが，講義中</a:t>
-            </a:r>
-            <a:r>
-              <a:rPr lang="ja-JP" altLang="en-US" sz="1600" dirty="0"/>
-              <a:t>に解説して</a:t>
-            </a:r>
-            <a:r>
-              <a:rPr lang="ja-JP" altLang="en-US" sz="1600" dirty="0" smtClean="0"/>
-              <a:t>いない手法を要素技術として利用する場合はその手法の解説もすること</a:t>
-            </a:r>
-            <a:endParaRPr lang="en-US" altLang="ja-JP" sz="1600" dirty="0" smtClean="0"/>
-          </a:p>
-          <a:p>
-            <a:pPr>
-              <a:lnSpc>
-                <a:spcPct val="110000"/>
-              </a:lnSpc>
-              <a:spcBef>
-                <a:spcPts val="0"/>
-              </a:spcBef>
-            </a:pPr>
-            <a:r>
-              <a:rPr lang="ja-JP" altLang="en-US" sz="1600" dirty="0" smtClean="0"/>
-              <a:t>これを読んだ第三者が同じものを実装できる程度に明瞭に記載すること</a:t>
-            </a:r>
-            <a:endParaRPr lang="en-US" altLang="ja-JP" sz="1600" dirty="0" smtClean="0"/>
-          </a:p>
-          <a:p>
-            <a:pPr>
-              <a:lnSpc>
-                <a:spcPct val="110000"/>
-              </a:lnSpc>
-              <a:spcBef>
-                <a:spcPts val="0"/>
-              </a:spcBef>
-            </a:pPr>
-            <a:r>
-              <a:rPr lang="ja-JP" altLang="en-US" sz="1600" dirty="0"/>
-              <a:t>説明のため</a:t>
-            </a:r>
-            <a:r>
-              <a:rPr lang="ja-JP" altLang="en-US" sz="1600" dirty="0" smtClean="0"/>
-              <a:t>に</a:t>
-            </a:r>
-            <a:r>
-              <a:rPr lang="ja-JP" altLang="en-US" sz="1600" dirty="0"/>
-              <a:t>図表</a:t>
-            </a:r>
-            <a:r>
-              <a:rPr lang="ja-JP" altLang="en-US" sz="1600" dirty="0" smtClean="0"/>
-              <a:t>を</a:t>
-            </a:r>
-            <a:r>
-              <a:rPr lang="ja-JP" altLang="en-US" sz="1600" dirty="0"/>
-              <a:t>用いても良い</a:t>
-            </a:r>
-            <a:endParaRPr lang="en-US" altLang="ja-JP" sz="1600" dirty="0" smtClean="0"/>
+              <a:t>2) </a:t>
+            </a:r>
           </a:p>
           <a:p>
             <a:pPr marL="0" indent="0">
@@ -4669,6 +4709,22 @@
               </a:spcAft>
               <a:buNone/>
             </a:pPr>
+            <a:r>
+              <a:rPr lang="en-US" altLang="ja-JP" sz="2400" dirty="0" smtClean="0"/>
+              <a:t>a. </a:t>
+            </a:r>
+            <a:r>
+              <a:rPr lang="ja-JP" altLang="en-US" sz="2400" dirty="0" smtClean="0"/>
+              <a:t>回転に対して不変な特徴ベクトルを独自に設計しその計算法を簡潔</a:t>
+            </a:r>
+            <a:r>
+              <a:rPr lang="ja-JP" altLang="en-US" sz="2400" dirty="0"/>
+              <a:t>に</a:t>
+            </a:r>
+            <a:r>
+              <a:rPr lang="ja-JP" altLang="en-US" sz="2400" dirty="0" smtClean="0"/>
+              <a:t>示せ</a:t>
+            </a:r>
             <a:endParaRPr lang="en-US" altLang="ja-JP" sz="800" dirty="0"/>
           </a:p>
           <a:p>
@@ -4686,7 +4742,15 @@
             </a:pPr>
             <a:r>
               <a:rPr lang="en-US" altLang="ja-JP" sz="2400" dirty="0" smtClean="0"/>
-              <a:t>2) </a:t>
+              <a:t>b</a:t>
+            </a:r>
+            <a:r>
+              <a:rPr lang="en-US" altLang="ja-JP" sz="2400" dirty="0"/>
+              <a:t>.</a:t>
+            </a:r>
+            <a:r>
+              <a:rPr lang="en-US" altLang="ja-JP" sz="2400" dirty="0" smtClean="0"/>
+              <a:t> </a:t>
             </a:r>
             <a:r>
               <a:rPr lang="ja-JP" altLang="en-US" sz="2400" dirty="0" smtClean="0"/>
@@ -4707,7 +4771,15 @@
               </a:spcAft>
               <a:buNone/>
             </a:pPr>
-            <a:endParaRPr lang="en-US" altLang="ja-JP" sz="1050" dirty="0"/>
+            <a:r>
+              <a:rPr lang="en-US" altLang="ja-JP" sz="2400" dirty="0" smtClean="0"/>
+              <a:t>c. </a:t>
+            </a:r>
+            <a:r>
+              <a:rPr lang="ja-JP" altLang="en-US" sz="2400" dirty="0" smtClean="0"/>
+              <a:t>上記の特徴ベクトルを計算する際の計算複雑度とその導出を簡潔に説明せよ</a:t>
+            </a:r>
+            <a:endParaRPr lang="en-US" altLang="ja-JP" sz="2400" dirty="0"/>
           </a:p>
           <a:p>
             <a:pPr marL="0" indent="0">
@@ -4724,7 +4796,7 @@
             </a:pPr>
             <a:r>
               <a:rPr lang="en-US" altLang="ja-JP" sz="2400" dirty="0" smtClean="0"/>
-              <a:t>3) </a:t>
+              <a:t>d. </a:t>
             </a:r>
             <a:r>
               <a:rPr lang="ja-JP" altLang="en-US" sz="2400" dirty="0" smtClean="0"/>
@@ -4738,29 +4810,11 @@
                 <a:spcPct val="110000"/>
               </a:lnSpc>
               <a:spcBef>
-                <a:spcPts val="600"/>
+                <a:spcPts val="0"/>
               </a:spcBef>
-              <a:spcAft>
-                <a:spcPts val="600"/>
-              </a:spcAft>
               <a:buNone/>
             </a:pPr>
-            <a:endParaRPr lang="en-US" altLang="ja-JP" sz="2400" dirty="0" smtClean="0"/>
-          </a:p>
-          <a:p>
-            <a:pPr marL="0" indent="0">
-              <a:lnSpc>
-                <a:spcPct val="110000"/>
-              </a:lnSpc>
-              <a:spcBef>
-                <a:spcPts val="600"/>
-              </a:spcBef>
-              <a:spcAft>
-                <a:spcPts val="600"/>
-              </a:spcAft>
-              <a:buNone/>
-            </a:pPr>
-            <a:endParaRPr lang="en-US" altLang="ja-JP" sz="2400" dirty="0" smtClean="0"/>
+            <a:endParaRPr lang="en-US" altLang="ja-JP" sz="1100" dirty="0" smtClean="0"/>
           </a:p>
           <a:p>
             <a:pPr marL="0" indent="0">
@@ -4768,23 +4822,215 @@
                 <a:spcPct val="100000"/>
               </a:lnSpc>
               <a:spcBef>
-                <a:spcPts val="0"/>
+                <a:spcPts val="600"/>
               </a:spcBef>
               <a:buNone/>
             </a:pPr>
-            <a:r>
-              <a:rPr lang="en-US" altLang="ja-JP" sz="2000" dirty="0" smtClean="0"/>
+            <a:endParaRPr lang="en-US" altLang="ja-JP" sz="1100" dirty="0"/>
+          </a:p>
+          <a:p>
+            <a:pPr marL="0" indent="0">
+              <a:lnSpc>
+                <a:spcPct val="100000"/>
+              </a:lnSpc>
+              <a:spcBef>
+                <a:spcPts val="600"/>
+              </a:spcBef>
+              <a:buNone/>
+            </a:pPr>
+            <a:r>
+              <a:rPr lang="en-US" altLang="ja-JP" sz="1400" dirty="0" smtClean="0"/>
               <a:t>※</a:t>
             </a:r>
             <a:r>
-              <a:rPr lang="ja-JP" altLang="en-US" sz="2000" dirty="0"/>
-              <a:t> </a:t>
-            </a:r>
-            <a:r>
-              <a:rPr lang="ja-JP" altLang="en-US" sz="2000" dirty="0" smtClean="0"/>
-              <a:t>以下の点に着目して採点する</a:t>
-            </a:r>
-            <a:endParaRPr lang="en-US" altLang="ja-JP" sz="2000" dirty="0"/>
+              <a:rPr lang="ja-JP" altLang="en-US" sz="1400" dirty="0" smtClean="0"/>
+              <a:t>講義中</a:t>
+            </a:r>
+            <a:r>
+              <a:rPr lang="ja-JP" altLang="en-US" sz="1400" dirty="0"/>
+              <a:t>に解説した</a:t>
+            </a:r>
+            <a:r>
+              <a:rPr lang="ja-JP" altLang="en-US" sz="1400" dirty="0" smtClean="0"/>
+              <a:t>手法</a:t>
+            </a:r>
+            <a:r>
+              <a:rPr lang="en-US" altLang="ja-JP" sz="1400" dirty="0" smtClean="0"/>
+              <a:t>(</a:t>
+            </a:r>
+            <a:r>
+              <a:rPr lang="ja-JP" altLang="en-US" sz="1400" dirty="0"/>
+              <a:t>勾配や</a:t>
+            </a:r>
+            <a:r>
+              <a:rPr lang="en-US" altLang="ja-JP" sz="1400" dirty="0" err="1"/>
+              <a:t>DoG</a:t>
+            </a:r>
+            <a:r>
+              <a:rPr lang="ja-JP" altLang="en-US" sz="1400" dirty="0"/>
+              <a:t>など</a:t>
+            </a:r>
+            <a:r>
+              <a:rPr lang="en-US" altLang="ja-JP" sz="1400" dirty="0" smtClean="0"/>
+              <a:t>)</a:t>
+            </a:r>
+            <a:r>
+              <a:rPr lang="ja-JP" altLang="en-US" sz="1400" dirty="0" smtClean="0"/>
+              <a:t> は</a:t>
+            </a:r>
+            <a:r>
+              <a:rPr lang="ja-JP" altLang="en-US" sz="1400" dirty="0"/>
+              <a:t>説明なし</a:t>
+            </a:r>
+            <a:r>
+              <a:rPr lang="ja-JP" altLang="en-US" sz="1400" dirty="0" smtClean="0"/>
+              <a:t>に要素技術として利用</a:t>
+            </a:r>
+            <a:r>
+              <a:rPr lang="ja-JP" altLang="en-US" sz="1400" dirty="0"/>
+              <a:t>して</a:t>
+            </a:r>
+            <a:r>
+              <a:rPr lang="ja-JP" altLang="en-US" sz="1400" dirty="0" smtClean="0"/>
+              <a:t>良い．ただし，講義中</a:t>
+            </a:r>
+            <a:r>
+              <a:rPr lang="ja-JP" altLang="en-US" sz="1400" dirty="0"/>
+              <a:t>に解説していない手法を要素技術として利用する場合はその手法の解説もすること</a:t>
+            </a:r>
+            <a:endParaRPr lang="en-US" altLang="ja-JP" sz="1400" dirty="0"/>
+          </a:p>
+          <a:p>
+            <a:pPr marL="0" indent="0">
+              <a:lnSpc>
+                <a:spcPct val="100000"/>
+              </a:lnSpc>
+              <a:spcBef>
+                <a:spcPts val="600"/>
+              </a:spcBef>
+              <a:buNone/>
+            </a:pPr>
+            <a:r>
+              <a:rPr lang="en-US" altLang="ja-JP" sz="1400" dirty="0" smtClean="0"/>
+              <a:t>※</a:t>
+            </a:r>
+            <a:r>
+              <a:rPr lang="ja-JP" altLang="en-US" sz="1400" b="1" dirty="0" smtClean="0"/>
+              <a:t>これ</a:t>
+            </a:r>
+            <a:r>
+              <a:rPr lang="ja-JP" altLang="en-US" sz="1400" b="1" dirty="0"/>
+              <a:t>を読んだ第三者が同じものを実装できる程度に明瞭に記載する</a:t>
+            </a:r>
+            <a:r>
+              <a:rPr lang="ja-JP" altLang="en-US" sz="1400" b="1" dirty="0" smtClean="0"/>
+              <a:t>こと</a:t>
+            </a:r>
+            <a:endParaRPr lang="en-US" altLang="ja-JP" sz="1400" b="1" dirty="0" smtClean="0"/>
+          </a:p>
+          <a:p>
+            <a:pPr marL="0" indent="0">
+              <a:lnSpc>
+                <a:spcPct val="100000"/>
+              </a:lnSpc>
+              <a:spcBef>
+                <a:spcPts val="600"/>
+              </a:spcBef>
+              <a:buNone/>
+            </a:pPr>
+            <a:r>
+              <a:rPr lang="en-US" altLang="ja-JP" sz="1400" dirty="0" smtClean="0"/>
+              <a:t>※</a:t>
+            </a:r>
+            <a:r>
+              <a:rPr lang="ja-JP" altLang="en-US" sz="1400" dirty="0" smtClean="0"/>
+              <a:t>比較的単純な特徴ベクトルを設計しても良いが，講義中に解説した</a:t>
+            </a:r>
+            <a:r>
+              <a:rPr lang="en-US" altLang="ja-JP" sz="1400" dirty="0" smtClean="0"/>
+              <a:t>SIFT</a:t>
+            </a:r>
+            <a:r>
+              <a:rPr lang="ja-JP" altLang="en-US" sz="1400" dirty="0" smtClean="0"/>
+              <a:t>特徴そのものは解答として認めない</a:t>
+            </a:r>
+            <a:endParaRPr lang="en-US" altLang="ja-JP" sz="1400" dirty="0" smtClean="0"/>
+          </a:p>
+          <a:p>
+            <a:pPr marL="0" indent="0">
+              <a:lnSpc>
+                <a:spcPct val="100000"/>
+              </a:lnSpc>
+              <a:spcBef>
+                <a:spcPts val="600"/>
+              </a:spcBef>
+              <a:buNone/>
+            </a:pPr>
+            <a:r>
+              <a:rPr lang="en-US" altLang="ja-JP" sz="1400" dirty="0" smtClean="0"/>
+              <a:t>※</a:t>
+            </a:r>
+            <a:r>
+              <a:rPr lang="ja-JP" altLang="en-US" sz="1400" dirty="0" smtClean="0"/>
+              <a:t>説明</a:t>
+            </a:r>
+            <a:r>
+              <a:rPr lang="ja-JP" altLang="en-US" sz="1400" dirty="0"/>
+              <a:t>のために図表を用いても</a:t>
+            </a:r>
+            <a:r>
+              <a:rPr lang="ja-JP" altLang="en-US" sz="1400" dirty="0" smtClean="0"/>
+              <a:t>良い</a:t>
+            </a:r>
+            <a:endParaRPr lang="en-US" altLang="ja-JP" sz="2400" dirty="0" smtClean="0"/>
+          </a:p>
+          <a:p>
+            <a:pPr marL="0" indent="0">
+              <a:lnSpc>
+                <a:spcPct val="100000"/>
+              </a:lnSpc>
+              <a:spcBef>
+                <a:spcPts val="600"/>
+              </a:spcBef>
+              <a:buNone/>
+            </a:pPr>
+            <a:endParaRPr lang="en-US" altLang="ja-JP" sz="1400" dirty="0" smtClean="0">
+              <a:solidFill>
+                <a:srgbClr val="FF0000"/>
+              </a:solidFill>
+            </a:endParaRPr>
+          </a:p>
+          <a:p>
+            <a:pPr marL="0" indent="0">
+              <a:lnSpc>
+                <a:spcPct val="100000"/>
+              </a:lnSpc>
+              <a:spcBef>
+                <a:spcPts val="600"/>
+              </a:spcBef>
+              <a:buNone/>
+            </a:pPr>
+            <a:r>
+              <a:rPr lang="en-US" altLang="ja-JP" sz="1400" dirty="0" smtClean="0">
+                <a:solidFill>
+                  <a:srgbClr val="FF0000"/>
+                </a:solidFill>
+              </a:rPr>
+              <a:t>※</a:t>
+            </a:r>
+            <a:r>
+              <a:rPr lang="ja-JP" altLang="en-US" sz="1400" dirty="0" smtClean="0">
+                <a:solidFill>
+                  <a:srgbClr val="FF0000"/>
+                </a:solidFill>
+              </a:rPr>
+              <a:t> 以下の点に着目して採点する</a:t>
+            </a:r>
+            <a:endParaRPr lang="en-US" altLang="ja-JP" sz="1400" dirty="0">
+              <a:solidFill>
+                <a:srgbClr val="FF0000"/>
+              </a:solidFill>
+            </a:endParaRPr>
           </a:p>
           <a:p>
             <a:pPr>
@@ -4792,14 +5038,22 @@
                 <a:spcPct val="100000"/>
               </a:lnSpc>
               <a:spcBef>
-                <a:spcPts val="0"/>
+                <a:spcPts val="600"/>
               </a:spcBef>
             </a:pPr>
             <a:r>
-              <a:rPr lang="ja-JP" altLang="en-US" sz="2000" dirty="0" smtClean="0"/>
+              <a:rPr lang="ja-JP" altLang="en-US" sz="1400" dirty="0" smtClean="0">
+                <a:solidFill>
+                  <a:srgbClr val="FF0000"/>
+                </a:solidFill>
+              </a:rPr>
               <a:t>内容の正確さ</a:t>
             </a:r>
-            <a:endParaRPr lang="en-US" altLang="ja-JP" sz="2000" dirty="0" smtClean="0"/>
+            <a:endParaRPr lang="en-US" altLang="ja-JP" sz="1400" dirty="0" smtClean="0">
+              <a:solidFill>
+                <a:srgbClr val="FF0000"/>
+              </a:solidFill>
+            </a:endParaRPr>
           </a:p>
           <a:p>
             <a:pPr>
@@ -4807,30 +5061,30 @@
                 <a:spcPct val="100000"/>
               </a:lnSpc>
               <a:spcBef>
-                <a:spcPts val="0"/>
+                <a:spcPts val="600"/>
               </a:spcBef>
             </a:pPr>
             <a:r>
-              <a:rPr lang="ja-JP" altLang="en-US" sz="2000" dirty="0" smtClean="0"/>
-              <a:t>説明の明瞭さ（簡潔か？不備はないか</a:t>
-            </a:r>
-            <a:r>
-              <a:rPr lang="en-US" altLang="ja-JP" sz="2000" dirty="0" smtClean="0"/>
-              <a:t>?</a:t>
-            </a:r>
-            <a:r>
-              <a:rPr lang="ja-JP" altLang="en-US" sz="2000" dirty="0" smtClean="0"/>
-              <a:t>他者が実装可能か</a:t>
-            </a:r>
-            <a:r>
-              <a:rPr lang="en-US" altLang="ja-JP" sz="2000" dirty="0" smtClean="0"/>
-              <a:t>?</a:t>
-            </a:r>
-            <a:r>
-              <a:rPr lang="ja-JP" altLang="en-US" sz="2000" dirty="0" smtClean="0"/>
-              <a:t>）</a:t>
-            </a:r>
-            <a:endParaRPr lang="en-US" altLang="ja-JP" sz="2000" dirty="0" smtClean="0"/>
+              <a:rPr lang="ja-JP" altLang="en-US" sz="1400" dirty="0" smtClean="0">
+                <a:solidFill>
+                  <a:srgbClr val="FF0000"/>
+                </a:solidFill>
+              </a:rPr>
+              <a:t>説明の明瞭</a:t>
+            </a:r>
+            <a:r>
+              <a:rPr lang="ja-JP" altLang="en-US" sz="1400" dirty="0" smtClean="0">
+                <a:solidFill>
+                  <a:srgbClr val="FF0000"/>
+                </a:solidFill>
+              </a:rPr>
+              <a:t>さ</a:t>
+            </a:r>
+            <a:endParaRPr lang="ja-JP" altLang="en-US" sz="1400" dirty="0" smtClean="0">
+              <a:solidFill>
+                <a:srgbClr val="FF0000"/>
+              </a:solidFill>
+            </a:endParaRPr>
           </a:p>
           <a:p>
             <a:pPr>
@@ -4838,18 +5092,22 @@
                 <a:spcPct val="100000"/>
               </a:lnSpc>
               <a:spcBef>
-                <a:spcPts val="0"/>
+                <a:spcPts val="600"/>
               </a:spcBef>
             </a:pPr>
             <a:r>
-              <a:rPr lang="ja-JP" altLang="en-US" sz="2000" dirty="0"/>
-              <a:t>内容の</a:t>
-            </a:r>
-            <a:r>
-              <a:rPr lang="ja-JP" altLang="en-US" sz="2000" dirty="0" smtClean="0"/>
-              <a:t>斬新さ</a:t>
-            </a:r>
-            <a:endParaRPr lang="en-US" altLang="ja-JP" sz="2000" dirty="0"/>
+              <a:rPr lang="ja-JP" altLang="en-US" sz="1400" dirty="0" smtClean="0">
+                <a:solidFill>
+                  <a:srgbClr val="FF0000"/>
+                </a:solidFill>
+              </a:rPr>
+              <a:t>内容の斬新さ（加点対象として）</a:t>
+            </a:r>
+            <a:endParaRPr lang="en-US" altLang="ja-JP" sz="1400" dirty="0">
+              <a:solidFill>
+                <a:srgbClr val="FF0000"/>
+              </a:solidFill>
+            </a:endParaRPr>
           </a:p>
         </p:txBody>
       </p:sp>

--- a/classes/dm2017/DigitalMedia2_14.pptx
+++ b/classes/dm2017/DigitalMedia2_14.pptx
@@ -200,7 +200,7 @@
           <a:p>
             <a:fld id="{B5D18E4F-8904-49F0-A966-ED8BC304F0DA}" type="datetimeFigureOut">
               <a:rPr kumimoji="1" lang="ja-JP" altLang="en-US" smtClean="0"/>
-              <a:t>2017/6/27</a:t>
+              <a:t>2017/6/28</a:t>
             </a:fld>
             <a:endParaRPr kumimoji="1" lang="ja-JP" altLang="en-US"/>
           </a:p>
@@ -639,7 +639,7 @@
           <a:p>
             <a:fld id="{B10875E1-285E-4E62-A15A-65F7A0855A09}" type="datetimeFigureOut">
               <a:rPr kumimoji="1" lang="ja-JP" altLang="en-US" smtClean="0"/>
-              <a:t>2017/6/27</a:t>
+              <a:t>2017/6/28</a:t>
             </a:fld>
             <a:endParaRPr kumimoji="1" lang="ja-JP" altLang="en-US"/>
           </a:p>
@@ -865,7 +865,7 @@
           <a:p>
             <a:fld id="{B10875E1-285E-4E62-A15A-65F7A0855A09}" type="datetimeFigureOut">
               <a:rPr kumimoji="1" lang="ja-JP" altLang="en-US" smtClean="0"/>
-              <a:t>2017/6/27</a:t>
+              <a:t>2017/6/28</a:t>
             </a:fld>
             <a:endParaRPr kumimoji="1" lang="ja-JP" altLang="en-US"/>
           </a:p>
@@ -1101,7 +1101,7 @@
           <a:p>
             <a:fld id="{B10875E1-285E-4E62-A15A-65F7A0855A09}" type="datetimeFigureOut">
               <a:rPr kumimoji="1" lang="ja-JP" altLang="en-US" smtClean="0"/>
-              <a:t>2017/6/27</a:t>
+              <a:t>2017/6/28</a:t>
             </a:fld>
             <a:endParaRPr kumimoji="1" lang="ja-JP" altLang="en-US"/>
           </a:p>
@@ -1525,7 +1525,7 @@
           <a:p>
             <a:fld id="{B10875E1-285E-4E62-A15A-65F7A0855A09}" type="datetimeFigureOut">
               <a:rPr kumimoji="1" lang="ja-JP" altLang="en-US" smtClean="0"/>
-              <a:t>2017/6/27</a:t>
+              <a:t>2017/6/28</a:t>
             </a:fld>
             <a:endParaRPr kumimoji="1" lang="ja-JP" altLang="en-US"/>
           </a:p>
@@ -1934,7 +1934,7 @@
             <a:fld id="{B10875E1-285E-4E62-A15A-65F7A0855A09}" type="datetimeFigureOut">
               <a:rPr lang="ja-JP" altLang="en-US" smtClean="0"/>
               <a:pPr/>
-              <a:t>2017/6/27</a:t>
+              <a:t>2017/6/28</a:t>
             </a:fld>
             <a:endParaRPr lang="ja-JP" altLang="en-US"/>
           </a:p>
@@ -2503,7 +2503,7 @@
             <a:fld id="{B10875E1-285E-4E62-A15A-65F7A0855A09}" type="datetimeFigureOut">
               <a:rPr lang="ja-JP" altLang="en-US" smtClean="0"/>
               <a:pPr/>
-              <a:t>2017/6/27</a:t>
+              <a:t>2017/6/28</a:t>
             </a:fld>
             <a:endParaRPr lang="ja-JP" altLang="en-US"/>
           </a:p>
@@ -2662,7 +2662,7 @@
           <a:p>
             <a:fld id="{B10875E1-285E-4E62-A15A-65F7A0855A09}" type="datetimeFigureOut">
               <a:rPr kumimoji="1" lang="ja-JP" altLang="en-US" smtClean="0"/>
-              <a:t>2017/6/27</a:t>
+              <a:t>2017/6/28</a:t>
             </a:fld>
             <a:endParaRPr kumimoji="1" lang="ja-JP" altLang="en-US"/>
           </a:p>
@@ -2781,7 +2781,7 @@
           <a:p>
             <a:fld id="{B10875E1-285E-4E62-A15A-65F7A0855A09}" type="datetimeFigureOut">
               <a:rPr kumimoji="1" lang="ja-JP" altLang="en-US" smtClean="0"/>
-              <a:t>2017/6/27</a:t>
+              <a:t>2017/6/28</a:t>
             </a:fld>
             <a:endParaRPr kumimoji="1" lang="ja-JP" altLang="en-US"/>
           </a:p>
@@ -3114,7 +3114,7 @@
           <a:p>
             <a:fld id="{B10875E1-285E-4E62-A15A-65F7A0855A09}" type="datetimeFigureOut">
               <a:rPr kumimoji="1" lang="ja-JP" altLang="en-US" smtClean="0"/>
-              <a:t>2017/6/27</a:t>
+              <a:t>2017/6/28</a:t>
             </a:fld>
             <a:endParaRPr kumimoji="1" lang="ja-JP" altLang="en-US"/>
           </a:p>
@@ -3391,7 +3391,7 @@
           <a:p>
             <a:fld id="{B10875E1-285E-4E62-A15A-65F7A0855A09}" type="datetimeFigureOut">
               <a:rPr kumimoji="1" lang="ja-JP" altLang="en-US" smtClean="0"/>
-              <a:t>2017/6/27</a:t>
+              <a:t>2017/6/28</a:t>
             </a:fld>
             <a:endParaRPr kumimoji="1" lang="ja-JP" altLang="en-US"/>
           </a:p>
@@ -4106,7 +4106,7 @@
         </p:nvSpPr>
         <p:spPr>
           <a:xfrm>
-            <a:off x="457199" y="2418431"/>
+            <a:off x="827589" y="867424"/>
             <a:ext cx="11473211" cy="2986945"/>
           </a:xfrm>
         </p:spPr>
@@ -4258,35 +4258,30 @@
               <a:buNone/>
             </a:pPr>
             <a:r>
-              <a:rPr lang="ja-JP" altLang="en-US" sz="2400" dirty="0" smtClean="0"/>
+              <a:rPr lang="ja-JP" altLang="en-US" sz="2400" b="1" dirty="0" smtClean="0"/>
               <a:t>問</a:t>
             </a:r>
             <a:r>
-              <a:rPr lang="en-US" altLang="ja-JP" sz="2400" dirty="0" smtClean="0"/>
+              <a:rPr lang="en-US" altLang="ja-JP" sz="2400" b="1" dirty="0" smtClean="0"/>
               <a:t>1) </a:t>
             </a:r>
-          </a:p>
-          <a:p>
-            <a:pPr marL="0" indent="0">
-              <a:buNone/>
-            </a:pPr>
-            <a:r>
-              <a:rPr lang="ja-JP" altLang="en-US" sz="2400" dirty="0" smtClean="0"/>
+            <a:r>
+              <a:rPr lang="ja-JP" altLang="en-US" sz="2400" b="1" dirty="0" smtClean="0"/>
               <a:t>グレースケール画像</a:t>
             </a:r>
             <a:r>
-              <a:rPr lang="ja-JP" altLang="en-US" sz="2400" dirty="0"/>
+              <a:rPr lang="ja-JP" altLang="en-US" sz="2400" b="1" dirty="0"/>
               <a:t>に</a:t>
             </a:r>
             <a:r>
-              <a:rPr lang="en-US" altLang="ja-JP" sz="2400" dirty="0" smtClean="0"/>
+              <a:rPr lang="en-US" altLang="ja-JP" sz="2400" b="1" dirty="0" smtClean="0"/>
               <a:t>3x3 </a:t>
             </a:r>
             <a:r>
-              <a:rPr lang="ja-JP" altLang="en-US" sz="2400" dirty="0" smtClean="0"/>
+              <a:rPr lang="ja-JP" altLang="en-US" sz="2400" b="1" dirty="0" smtClean="0"/>
               <a:t>ソーベルフィルタを計算する関数を示せ</a:t>
             </a:r>
-            <a:endParaRPr lang="en-US" altLang="ja-JP" sz="2400" dirty="0" smtClean="0"/>
+            <a:endParaRPr lang="en-US" altLang="ja-JP" sz="2400" b="1" dirty="0" smtClean="0"/>
           </a:p>
           <a:p>
             <a:r>
@@ -4360,18 +4355,13 @@
               <a:t>解答例（途中まで</a:t>
             </a:r>
             <a:r>
-              <a:rPr lang="en-US" altLang="ja-JP" sz="1600" smtClean="0">
+              <a:rPr lang="en-US" altLang="ja-JP" sz="1600" dirty="0" smtClean="0">
                 <a:solidFill>
                   <a:srgbClr val="00B050"/>
                 </a:solidFill>
               </a:rPr>
               <a:t>)</a:t>
             </a:r>
-            <a:endParaRPr lang="en-US" altLang="ja-JP" sz="1600" dirty="0" smtClean="0">
-              <a:solidFill>
-                <a:srgbClr val="00B050"/>
-              </a:solidFill>
-            </a:endParaRPr>
           </a:p>
           <a:p>
             <a:pPr marL="0" indent="0">
@@ -4606,7 +4596,23 @@
             </a:r>
             <a:r>
               <a:rPr lang="en-US" altLang="ja-JP" sz="1600" dirty="0" smtClean="0"/>
-              <a:t>*width + j] = …</a:t>
+              <a:t>*width + j] = … </a:t>
+            </a:r>
+            <a:r>
+              <a:rPr lang="en-US" altLang="ja-JP" sz="1600" dirty="0" smtClean="0">
+                <a:solidFill>
+                  <a:srgbClr val="00B050"/>
+                </a:solidFill>
+              </a:rPr>
+              <a:t>//</a:t>
+            </a:r>
+            <a:r>
+              <a:rPr lang="ja-JP" altLang="en-US" sz="1600" dirty="0" smtClean="0">
+                <a:solidFill>
+                  <a:srgbClr val="00B050"/>
+                </a:solidFill>
+              </a:rPr>
+              <a:t>以下省略</a:t>
             </a:r>
             <a:r>
               <a:rPr kumimoji="1" lang="en-US" altLang="ja-JP" sz="1600" dirty="0" smtClean="0"/>
@@ -4616,7 +4622,18 @@
               <a:rPr kumimoji="1" lang="en-US" altLang="ja-JP" sz="1600" dirty="0" smtClean="0"/>
             </a:br>
             <a:r>
-              <a:rPr kumimoji="1" lang="en-US" altLang="ja-JP" sz="1600" dirty="0" smtClean="0"/>
+              <a:rPr kumimoji="1" lang="ja-JP" altLang="en-US" sz="1600" dirty="0" smtClean="0"/>
+              <a:t>　 </a:t>
+            </a:r>
+            <a:r>
+              <a:rPr lang="en-US" altLang="ja-JP" sz="1600" dirty="0"/>
+              <a:t/>
+            </a:r>
+            <a:br>
+              <a:rPr lang="en-US" altLang="ja-JP" sz="1600" dirty="0"/>
+            </a:br>
+            <a:r>
+              <a:rPr lang="en-US" altLang="ja-JP" sz="1600" dirty="0"/>
               <a:t>  </a:t>
             </a:r>
             <a:endParaRPr kumimoji="1" lang="ja-JP" altLang="en-US" sz="1600" dirty="0"/>
@@ -4665,19 +4682,19 @@
         </p:nvSpPr>
         <p:spPr>
           <a:xfrm>
-            <a:off x="317635" y="196770"/>
-            <a:ext cx="11088302" cy="6661230"/>
+            <a:off x="317635" y="228600"/>
+            <a:ext cx="10909808" cy="6527800"/>
           </a:xfrm>
         </p:spPr>
         <p:txBody>
           <a:bodyPr>
-            <a:normAutofit/>
+            <a:noAutofit/>
           </a:bodyPr>
           <a:lstStyle/>
           <a:p>
             <a:pPr marL="0" indent="0">
               <a:lnSpc>
-                <a:spcPct val="110000"/>
+                <a:spcPct val="120000"/>
               </a:lnSpc>
               <a:spcBef>
                 <a:spcPts val="600"/>
@@ -4688,18 +4705,35 @@
               <a:buNone/>
             </a:pPr>
             <a:r>
-              <a:rPr lang="ja-JP" altLang="en-US" sz="2400" dirty="0" smtClean="0"/>
+              <a:rPr lang="ja-JP" altLang="en-US" sz="1800" b="1" dirty="0" smtClean="0"/>
               <a:t>問</a:t>
             </a:r>
             <a:r>
-              <a:rPr lang="en-US" altLang="ja-JP" sz="2400" dirty="0" smtClean="0"/>
-              <a:t>2) </a:t>
-            </a:r>
+              <a:rPr lang="en-US" altLang="ja-JP" sz="1800" b="1" dirty="0" smtClean="0"/>
+              <a:t>2)</a:t>
+            </a:r>
+            <a:r>
+              <a:rPr lang="ja-JP" altLang="en-US" sz="1800" b="1" dirty="0"/>
+              <a:t> </a:t>
+            </a:r>
+            <a:r>
+              <a:rPr lang="ja-JP" altLang="en-US" sz="1800" b="1" dirty="0" smtClean="0"/>
+              <a:t>回転</a:t>
+            </a:r>
+            <a:r>
+              <a:rPr lang="ja-JP" altLang="en-US" sz="1800" b="1" dirty="0"/>
+              <a:t>に対して不変な特徴ベクトルを独自に設計</a:t>
+            </a:r>
+            <a:r>
+              <a:rPr lang="ja-JP" altLang="en-US" sz="1800" b="1" dirty="0" smtClean="0"/>
+              <a:t>し以下の問いに答えよ．                                         　　ただし，設計した特徴ベクトルはコーナーとエッジを区別できることを条件とする．</a:t>
+            </a:r>
+            <a:endParaRPr lang="en-US" altLang="ja-JP" sz="1800" b="1" dirty="0" smtClean="0"/>
           </a:p>
           <a:p>
             <a:pPr marL="0" indent="0">
               <a:lnSpc>
-                <a:spcPct val="110000"/>
+                <a:spcPct val="120000"/>
               </a:lnSpc>
               <a:spcBef>
                 <a:spcPts val="600"/>
@@ -4710,27 +4744,27 @@
               <a:buNone/>
             </a:pPr>
             <a:r>
-              <a:rPr lang="en-US" altLang="ja-JP" sz="2400" dirty="0" smtClean="0"/>
+              <a:rPr lang="en-US" altLang="ja-JP" sz="1800" dirty="0" smtClean="0"/>
               <a:t>a. </a:t>
             </a:r>
             <a:r>
-              <a:rPr lang="ja-JP" altLang="en-US" sz="2400" dirty="0" smtClean="0"/>
-              <a:t>回転に対して不変な特徴ベクトルを独自に設計しその計算法を簡潔</a:t>
-            </a:r>
-            <a:r>
-              <a:rPr lang="ja-JP" altLang="en-US" sz="2400" dirty="0"/>
+              <a:rPr lang="ja-JP" altLang="en-US" sz="1800" dirty="0" smtClean="0"/>
+              <a:t>設計した特徴ベクトルの計算法を詳細かつ簡潔</a:t>
+            </a:r>
+            <a:r>
+              <a:rPr lang="ja-JP" altLang="en-US" sz="1800" dirty="0"/>
               <a:t>に</a:t>
             </a:r>
             <a:r>
-              <a:rPr lang="ja-JP" altLang="en-US" sz="2400" dirty="0" smtClean="0"/>
+              <a:rPr lang="ja-JP" altLang="en-US" sz="1800" dirty="0" smtClean="0"/>
               <a:t>示せ</a:t>
             </a:r>
-            <a:endParaRPr lang="en-US" altLang="ja-JP" sz="800" dirty="0"/>
+            <a:endParaRPr lang="en-US" altLang="ja-JP" sz="1800" dirty="0"/>
           </a:p>
           <a:p>
             <a:pPr marL="0" indent="0">
               <a:lnSpc>
-                <a:spcPct val="110000"/>
+                <a:spcPct val="120000"/>
               </a:lnSpc>
               <a:spcBef>
                 <a:spcPts val="600"/>
@@ -4741,27 +4775,27 @@
               <a:buNone/>
             </a:pPr>
             <a:r>
-              <a:rPr lang="en-US" altLang="ja-JP" sz="2400" dirty="0" smtClean="0"/>
+              <a:rPr lang="en-US" altLang="ja-JP" sz="1800" dirty="0" smtClean="0"/>
               <a:t>b</a:t>
             </a:r>
             <a:r>
-              <a:rPr lang="en-US" altLang="ja-JP" sz="2400" dirty="0"/>
+              <a:rPr lang="en-US" altLang="ja-JP" sz="1800" dirty="0"/>
               <a:t>.</a:t>
             </a:r>
             <a:r>
-              <a:rPr lang="en-US" altLang="ja-JP" sz="2400" dirty="0" smtClean="0"/>
+              <a:rPr lang="en-US" altLang="ja-JP" sz="1800" dirty="0" smtClean="0"/>
               <a:t> </a:t>
             </a:r>
             <a:r>
-              <a:rPr lang="ja-JP" altLang="en-US" sz="2400" dirty="0" smtClean="0"/>
+              <a:rPr lang="ja-JP" altLang="en-US" sz="1800" dirty="0" smtClean="0"/>
               <a:t>上記の特徴ベクトルが回転に対して不変となる根拠を簡潔に説明せよ</a:t>
             </a:r>
-            <a:endParaRPr lang="en-US" altLang="ja-JP" sz="2400" dirty="0" smtClean="0"/>
+            <a:endParaRPr lang="en-US" altLang="ja-JP" sz="1800" dirty="0" smtClean="0"/>
           </a:p>
           <a:p>
             <a:pPr marL="0" indent="0">
               <a:lnSpc>
-                <a:spcPct val="110000"/>
+                <a:spcPct val="120000"/>
               </a:lnSpc>
               <a:spcBef>
                 <a:spcPts val="600"/>
@@ -4772,19 +4806,19 @@
               <a:buNone/>
             </a:pPr>
             <a:r>
-              <a:rPr lang="en-US" altLang="ja-JP" sz="2400" dirty="0" smtClean="0"/>
+              <a:rPr lang="en-US" altLang="ja-JP" sz="1800" dirty="0" smtClean="0"/>
               <a:t>c. </a:t>
             </a:r>
             <a:r>
-              <a:rPr lang="ja-JP" altLang="en-US" sz="2400" dirty="0" smtClean="0"/>
-              <a:t>上記の特徴ベクトルを計算する際の計算複雑度とその導出を簡潔に説明せよ</a:t>
-            </a:r>
-            <a:endParaRPr lang="en-US" altLang="ja-JP" sz="2400" dirty="0"/>
+              <a:rPr lang="ja-JP" altLang="en-US" sz="1800" dirty="0" smtClean="0"/>
+              <a:t>上記の特徴ベクトルがコーナーとエッジを区別できる根拠を簡潔に説明せよ</a:t>
+            </a:r>
+            <a:endParaRPr lang="en-US" altLang="ja-JP" sz="1800" dirty="0" smtClean="0"/>
           </a:p>
           <a:p>
             <a:pPr marL="0" indent="0">
               <a:lnSpc>
-                <a:spcPct val="110000"/>
+                <a:spcPct val="120000"/>
               </a:lnSpc>
               <a:spcBef>
                 <a:spcPts val="600"/>
@@ -4795,236 +4829,209 @@
               <a:buNone/>
             </a:pPr>
             <a:r>
-              <a:rPr lang="en-US" altLang="ja-JP" sz="2400" dirty="0" smtClean="0"/>
-              <a:t>d. </a:t>
-            </a:r>
-            <a:r>
-              <a:rPr lang="ja-JP" altLang="en-US" sz="2400" dirty="0" smtClean="0"/>
-              <a:t>上記の特徴ベクトルを特徴点マッチングに利用する場合の限界・問題を列挙し解説せよ</a:t>
-            </a:r>
-            <a:endParaRPr lang="en-US" altLang="ja-JP" sz="2400" dirty="0"/>
+              <a:rPr lang="en-US" altLang="ja-JP" sz="1800" dirty="0" smtClean="0"/>
+              <a:t>c. </a:t>
+            </a:r>
+            <a:r>
+              <a:rPr lang="ja-JP" altLang="en-US" sz="1800" dirty="0" smtClean="0"/>
+              <a:t>上記の特徴ベクトルを計算する際の計算複雑度とその導出を簡潔に説明せよ</a:t>
+            </a:r>
+            <a:endParaRPr lang="en-US" altLang="ja-JP" sz="1800" dirty="0"/>
           </a:p>
           <a:p>
             <a:pPr marL="0" indent="0">
               <a:lnSpc>
-                <a:spcPct val="110000"/>
-              </a:lnSpc>
-              <a:spcBef>
-                <a:spcPts val="0"/>
-              </a:spcBef>
-              <a:buNone/>
-            </a:pPr>
-            <a:endParaRPr lang="en-US" altLang="ja-JP" sz="1100" dirty="0" smtClean="0"/>
-          </a:p>
-          <a:p>
-            <a:pPr marL="0" indent="0">
-              <a:lnSpc>
-                <a:spcPct val="100000"/>
+                <a:spcPct val="120000"/>
               </a:lnSpc>
               <a:spcBef>
                 <a:spcPts val="600"/>
               </a:spcBef>
+              <a:spcAft>
+                <a:spcPts val="600"/>
+              </a:spcAft>
               <a:buNone/>
             </a:pPr>
-            <a:endParaRPr lang="en-US" altLang="ja-JP" sz="1100" dirty="0"/>
+            <a:r>
+              <a:rPr lang="en-US" altLang="ja-JP" sz="1800" dirty="0" smtClean="0"/>
+              <a:t>d. </a:t>
+            </a:r>
+            <a:r>
+              <a:rPr lang="ja-JP" altLang="en-US" sz="1800" dirty="0" smtClean="0"/>
+              <a:t>上記の特徴ベクトルを特徴点マッチングに利用する場合の限界・問題を説明せよ</a:t>
+            </a:r>
+            <a:endParaRPr lang="en-US" altLang="ja-JP" sz="1800" dirty="0" smtClean="0"/>
           </a:p>
           <a:p>
             <a:pPr marL="0" indent="0">
               <a:lnSpc>
-                <a:spcPct val="100000"/>
+                <a:spcPct val="120000"/>
               </a:lnSpc>
               <a:spcBef>
                 <a:spcPts val="600"/>
               </a:spcBef>
+              <a:spcAft>
+                <a:spcPts val="600"/>
+              </a:spcAft>
               <a:buNone/>
             </a:pPr>
-            <a:r>
-              <a:rPr lang="en-US" altLang="ja-JP" sz="1400" dirty="0" smtClean="0"/>
-              <a:t>※</a:t>
-            </a:r>
-            <a:r>
-              <a:rPr lang="ja-JP" altLang="en-US" sz="1400" dirty="0" smtClean="0"/>
-              <a:t>講義中</a:t>
-            </a:r>
-            <a:r>
-              <a:rPr lang="ja-JP" altLang="en-US" sz="1400" dirty="0"/>
-              <a:t>に解説した</a:t>
-            </a:r>
-            <a:r>
-              <a:rPr lang="ja-JP" altLang="en-US" sz="1400" dirty="0" smtClean="0"/>
-              <a:t>手法</a:t>
-            </a:r>
-            <a:r>
-              <a:rPr lang="en-US" altLang="ja-JP" sz="1400" dirty="0" smtClean="0"/>
-              <a:t>(</a:t>
-            </a:r>
-            <a:r>
-              <a:rPr lang="ja-JP" altLang="en-US" sz="1400" dirty="0"/>
-              <a:t>勾配や</a:t>
-            </a:r>
-            <a:r>
-              <a:rPr lang="en-US" altLang="ja-JP" sz="1400" dirty="0" err="1"/>
-              <a:t>DoG</a:t>
-            </a:r>
-            <a:r>
-              <a:rPr lang="ja-JP" altLang="en-US" sz="1400" dirty="0"/>
-              <a:t>など</a:t>
-            </a:r>
-            <a:r>
-              <a:rPr lang="en-US" altLang="ja-JP" sz="1400" dirty="0" smtClean="0"/>
-              <a:t>)</a:t>
-            </a:r>
-            <a:r>
-              <a:rPr lang="ja-JP" altLang="en-US" sz="1400" dirty="0" smtClean="0"/>
-              <a:t> は</a:t>
-            </a:r>
-            <a:r>
-              <a:rPr lang="ja-JP" altLang="en-US" sz="1400" dirty="0"/>
-              <a:t>説明なし</a:t>
-            </a:r>
-            <a:r>
-              <a:rPr lang="ja-JP" altLang="en-US" sz="1400" dirty="0" smtClean="0"/>
-              <a:t>に要素技術として利用</a:t>
-            </a:r>
-            <a:r>
-              <a:rPr lang="ja-JP" altLang="en-US" sz="1400" dirty="0"/>
-              <a:t>して</a:t>
-            </a:r>
-            <a:r>
-              <a:rPr lang="ja-JP" altLang="en-US" sz="1400" dirty="0" smtClean="0"/>
-              <a:t>良い．ただし，講義中</a:t>
-            </a:r>
-            <a:r>
-              <a:rPr lang="ja-JP" altLang="en-US" sz="1400" dirty="0"/>
-              <a:t>に解説していない手法を要素技術として利用する場合はその手法の解説もすること</a:t>
-            </a:r>
-            <a:endParaRPr lang="en-US" altLang="ja-JP" sz="1400" dirty="0"/>
-          </a:p>
-          <a:p>
-            <a:pPr marL="0" indent="0">
+            <a:endParaRPr lang="en-US" altLang="ja-JP" sz="1800" dirty="0"/>
+          </a:p>
+          <a:p>
+            <a:pPr>
               <a:lnSpc>
-                <a:spcPct val="100000"/>
+                <a:spcPct val="120000"/>
               </a:lnSpc>
               <a:spcBef>
                 <a:spcPts val="600"/>
               </a:spcBef>
-              <a:buNone/>
             </a:pPr>
             <a:r>
-              <a:rPr lang="en-US" altLang="ja-JP" sz="1400" dirty="0" smtClean="0"/>
-              <a:t>※</a:t>
-            </a:r>
-            <a:r>
-              <a:rPr lang="ja-JP" altLang="en-US" sz="1400" b="1" dirty="0" smtClean="0"/>
-              <a:t>これ</a:t>
-            </a:r>
-            <a:r>
-              <a:rPr lang="ja-JP" altLang="en-US" sz="1400" b="1" dirty="0"/>
-              <a:t>を読んだ第三者が同じものを実装できる程度に明瞭に記載する</a:t>
-            </a:r>
-            <a:r>
-              <a:rPr lang="ja-JP" altLang="en-US" sz="1400" b="1" dirty="0" smtClean="0"/>
-              <a:t>こと</a:t>
-            </a:r>
-            <a:endParaRPr lang="en-US" altLang="ja-JP" sz="1400" b="1" dirty="0" smtClean="0"/>
-          </a:p>
-          <a:p>
-            <a:pPr marL="0" indent="0">
+              <a:rPr lang="ja-JP" altLang="en-US" sz="1800" dirty="0" smtClean="0"/>
+              <a:t>注意</a:t>
+            </a:r>
+            <a:endParaRPr lang="en-US" altLang="ja-JP" sz="1800" dirty="0" smtClean="0"/>
+          </a:p>
+          <a:p>
+            <a:pPr lvl="1">
               <a:lnSpc>
-                <a:spcPct val="100000"/>
+                <a:spcPct val="120000"/>
               </a:lnSpc>
               <a:spcBef>
                 <a:spcPts val="600"/>
               </a:spcBef>
-              <a:buNone/>
             </a:pPr>
             <a:r>
+              <a:rPr lang="ja-JP" altLang="en-US" sz="1400" dirty="0" smtClean="0"/>
+              <a:t>講義中</a:t>
+            </a:r>
+            <a:r>
+              <a:rPr lang="ja-JP" altLang="en-US" sz="1400" dirty="0"/>
+              <a:t>に解説した</a:t>
+            </a:r>
+            <a:r>
+              <a:rPr lang="ja-JP" altLang="en-US" sz="1400" dirty="0" smtClean="0"/>
+              <a:t>手法</a:t>
+            </a:r>
+            <a:r>
               <a:rPr lang="en-US" altLang="ja-JP" sz="1400" dirty="0" smtClean="0"/>
-              <a:t>※</a:t>
+              <a:t>(</a:t>
+            </a:r>
+            <a:r>
+              <a:rPr lang="ja-JP" altLang="en-US" sz="1400" dirty="0"/>
+              <a:t>勾配や</a:t>
+            </a:r>
+            <a:r>
+              <a:rPr lang="en-US" altLang="ja-JP" sz="1400" dirty="0" err="1"/>
+              <a:t>DoG</a:t>
+            </a:r>
+            <a:r>
+              <a:rPr lang="ja-JP" altLang="en-US" sz="1400" dirty="0"/>
+              <a:t>など</a:t>
+            </a:r>
+            <a:r>
+              <a:rPr lang="en-US" altLang="ja-JP" sz="1400" dirty="0" smtClean="0"/>
+              <a:t>)</a:t>
             </a:r>
             <a:r>
               <a:rPr lang="ja-JP" altLang="en-US" sz="1400" dirty="0" smtClean="0"/>
-              <a:t>比較的単純な特徴ベクトルを設計しても良いが，講義中に解説した</a:t>
-            </a:r>
-            <a:r>
-              <a:rPr lang="en-US" altLang="ja-JP" sz="1400" dirty="0" smtClean="0"/>
-              <a:t>SIFT</a:t>
+              <a:t> は</a:t>
+            </a:r>
+            <a:r>
+              <a:rPr lang="ja-JP" altLang="en-US" sz="1400" dirty="0"/>
+              <a:t>説明なし</a:t>
             </a:r>
             <a:r>
               <a:rPr lang="ja-JP" altLang="en-US" sz="1400" dirty="0" smtClean="0"/>
-              <a:t>特徴そのものは解答として認めない</a:t>
-            </a:r>
-            <a:endParaRPr lang="en-US" altLang="ja-JP" sz="1400" dirty="0" smtClean="0"/>
-          </a:p>
-          <a:p>
-            <a:pPr marL="0" indent="0">
+              <a:t>に要素技術として利用</a:t>
+            </a:r>
+            <a:r>
+              <a:rPr lang="ja-JP" altLang="en-US" sz="1400" dirty="0"/>
+              <a:t>して</a:t>
+            </a:r>
+            <a:r>
+              <a:rPr lang="ja-JP" altLang="en-US" sz="1400" dirty="0" smtClean="0"/>
+              <a:t>良いが，講義中に未解説の手法</a:t>
+            </a:r>
+            <a:r>
+              <a:rPr lang="ja-JP" altLang="en-US" sz="1400" dirty="0"/>
+              <a:t>を</a:t>
+            </a:r>
+            <a:r>
+              <a:rPr lang="ja-JP" altLang="en-US" sz="1400" dirty="0" smtClean="0"/>
+              <a:t>要素と</a:t>
+            </a:r>
+            <a:r>
+              <a:rPr lang="ja-JP" altLang="en-US" sz="1400" dirty="0"/>
+              <a:t>して利用する場合はその手法の解説もすること</a:t>
+            </a:r>
+            <a:endParaRPr lang="en-US" altLang="ja-JP" sz="1400" dirty="0"/>
+          </a:p>
+          <a:p>
+            <a:pPr lvl="1">
               <a:lnSpc>
-                <a:spcPct val="100000"/>
+                <a:spcPct val="120000"/>
               </a:lnSpc>
               <a:spcBef>
                 <a:spcPts val="600"/>
               </a:spcBef>
-              <a:buNone/>
             </a:pPr>
             <a:r>
-              <a:rPr lang="en-US" altLang="ja-JP" sz="1400" dirty="0" smtClean="0"/>
-              <a:t>※</a:t>
-            </a:r>
-            <a:r>
               <a:rPr lang="ja-JP" altLang="en-US" sz="1400" dirty="0" smtClean="0"/>
-              <a:t>説明</a:t>
+              <a:t>これ</a:t>
             </a:r>
             <a:r>
               <a:rPr lang="ja-JP" altLang="en-US" sz="1400" dirty="0"/>
-              <a:t>のために図表を用いても</a:t>
+              <a:t>を読んだ第三者が同じものを実装できる程度に明瞭に記載する</a:t>
             </a:r>
             <a:r>
               <a:rPr lang="ja-JP" altLang="en-US" sz="1400" dirty="0" smtClean="0"/>
-              <a:t>良い</a:t>
-            </a:r>
-            <a:endParaRPr lang="en-US" altLang="ja-JP" sz="2400" dirty="0" smtClean="0"/>
-          </a:p>
-          <a:p>
-            <a:pPr marL="0" indent="0">
+              <a:t>こと</a:t>
+            </a:r>
+            <a:endParaRPr lang="en-US" altLang="ja-JP" sz="1400" dirty="0" smtClean="0"/>
+          </a:p>
+          <a:p>
+            <a:pPr lvl="1">
               <a:lnSpc>
-                <a:spcPct val="100000"/>
+                <a:spcPct val="120000"/>
               </a:lnSpc>
               <a:spcBef>
                 <a:spcPts val="600"/>
               </a:spcBef>
-              <a:buNone/>
             </a:pPr>
-            <a:endParaRPr lang="en-US" altLang="ja-JP" sz="1400" dirty="0" smtClean="0">
-              <a:solidFill>
-                <a:srgbClr val="FF0000"/>
-              </a:solidFill>
-            </a:endParaRPr>
-          </a:p>
-          <a:p>
-            <a:pPr marL="0" indent="0">
+            <a:r>
+              <a:rPr lang="ja-JP" altLang="en-US" sz="1400" dirty="0" smtClean="0"/>
+              <a:t>講義中に解説した</a:t>
+            </a:r>
+            <a:r>
+              <a:rPr lang="en-US" altLang="ja-JP" sz="1400" dirty="0" smtClean="0"/>
+              <a:t>SIFT</a:t>
+            </a:r>
+            <a:r>
+              <a:rPr lang="ja-JP" altLang="en-US" sz="1400" dirty="0" smtClean="0"/>
+              <a:t>特徴そのものは解答として認めない</a:t>
+            </a:r>
+            <a:endParaRPr lang="en-US" altLang="ja-JP" sz="1400" dirty="0" smtClean="0"/>
+          </a:p>
+          <a:p>
+            <a:pPr lvl="1">
               <a:lnSpc>
-                <a:spcPct val="100000"/>
+                <a:spcPct val="120000"/>
               </a:lnSpc>
               <a:spcBef>
                 <a:spcPts val="600"/>
               </a:spcBef>
-              <a:buNone/>
             </a:pPr>
             <a:r>
-              <a:rPr lang="en-US" altLang="ja-JP" sz="1400" dirty="0" smtClean="0">
-                <a:solidFill>
-                  <a:srgbClr val="FF0000"/>
-                </a:solidFill>
-              </a:rPr>
-              <a:t>※</a:t>
-            </a:r>
-            <a:r>
-              <a:rPr lang="ja-JP" altLang="en-US" sz="1400" dirty="0" smtClean="0">
-                <a:solidFill>
-                  <a:srgbClr val="FF0000"/>
-                </a:solidFill>
-              </a:rPr>
-              <a:t> 以下の点に着目して採点する</a:t>
+              <a:rPr lang="ja-JP" altLang="en-US" sz="1400" dirty="0" smtClean="0"/>
+              <a:t>説明</a:t>
+            </a:r>
+            <a:r>
+              <a:rPr lang="ja-JP" altLang="en-US" sz="1400" dirty="0"/>
+              <a:t>のために図表を用いても</a:t>
+            </a:r>
+            <a:r>
+              <a:rPr lang="ja-JP" altLang="en-US" sz="1400" dirty="0" smtClean="0"/>
+              <a:t>良い</a:t>
             </a:r>
             <a:endParaRPr lang="en-US" altLang="ja-JP" sz="1400" dirty="0">
               <a:solidFill>
@@ -5035,21 +5042,157 @@
           <a:p>
             <a:pPr>
               <a:lnSpc>
-                <a:spcPct val="100000"/>
+                <a:spcPct val="120000"/>
               </a:lnSpc>
               <a:spcBef>
                 <a:spcPts val="600"/>
               </a:spcBef>
             </a:pPr>
             <a:r>
-              <a:rPr lang="ja-JP" altLang="en-US" sz="1400" dirty="0" smtClean="0">
+              <a:rPr lang="ja-JP" altLang="en-US" sz="1800" dirty="0" smtClean="0">
                 <a:solidFill>
                   <a:srgbClr val="FF0000"/>
                 </a:solidFill>
               </a:rPr>
-              <a:t>内容の正確さ</a:t>
-            </a:r>
-            <a:endParaRPr lang="en-US" altLang="ja-JP" sz="1400" dirty="0" smtClean="0">
+              <a:t>採点は，</a:t>
+            </a:r>
+            <a:r>
+              <a:rPr lang="en-US" altLang="ja-JP" sz="1800" dirty="0" smtClean="0">
+                <a:solidFill>
+                  <a:srgbClr val="FF0000"/>
+                </a:solidFill>
+              </a:rPr>
+              <a:t>(1)</a:t>
+            </a:r>
+            <a:r>
+              <a:rPr lang="ja-JP" altLang="en-US" sz="1800" dirty="0" smtClean="0">
+                <a:solidFill>
+                  <a:srgbClr val="FF0000"/>
+                </a:solidFill>
+              </a:rPr>
+              <a:t>内容</a:t>
+            </a:r>
+            <a:r>
+              <a:rPr lang="ja-JP" altLang="en-US" sz="1800" dirty="0">
+                <a:solidFill>
+                  <a:srgbClr val="FF0000"/>
+                </a:solidFill>
+              </a:rPr>
+              <a:t>の</a:t>
+            </a:r>
+            <a:r>
+              <a:rPr lang="ja-JP" altLang="en-US" sz="1800" dirty="0" smtClean="0">
+                <a:solidFill>
+                  <a:srgbClr val="FF0000"/>
+                </a:solidFill>
+              </a:rPr>
+              <a:t>正確さ</a:t>
+            </a:r>
+            <a:r>
+              <a:rPr lang="en-US" altLang="ja-JP" sz="1800" dirty="0" smtClean="0">
+                <a:solidFill>
+                  <a:srgbClr val="FF0000"/>
+                </a:solidFill>
+              </a:rPr>
+              <a:t>, (2)</a:t>
+            </a:r>
+            <a:r>
+              <a:rPr lang="ja-JP" altLang="en-US" sz="1800" dirty="0" smtClean="0">
+                <a:solidFill>
+                  <a:srgbClr val="FF0000"/>
+                </a:solidFill>
+              </a:rPr>
+              <a:t>説明</a:t>
+            </a:r>
+            <a:r>
+              <a:rPr lang="ja-JP" altLang="en-US" sz="1800" dirty="0">
+                <a:solidFill>
+                  <a:srgbClr val="FF0000"/>
+                </a:solidFill>
+              </a:rPr>
+              <a:t>の明瞭さ（簡潔か？不備はないか</a:t>
+            </a:r>
+            <a:r>
+              <a:rPr lang="en-US" altLang="ja-JP" sz="1800" dirty="0">
+                <a:solidFill>
+                  <a:srgbClr val="FF0000"/>
+                </a:solidFill>
+              </a:rPr>
+              <a:t>?</a:t>
+            </a:r>
+            <a:r>
+              <a:rPr lang="ja-JP" altLang="en-US" sz="1800" dirty="0">
+                <a:solidFill>
+                  <a:srgbClr val="FF0000"/>
+                </a:solidFill>
+              </a:rPr>
+              <a:t>他者が実装可能か</a:t>
+            </a:r>
+            <a:r>
+              <a:rPr lang="en-US" altLang="ja-JP" sz="1800" dirty="0">
+                <a:solidFill>
+                  <a:srgbClr val="FF0000"/>
+                </a:solidFill>
+              </a:rPr>
+              <a:t>?</a:t>
+            </a:r>
+            <a:r>
+              <a:rPr lang="ja-JP" altLang="en-US" sz="1800" dirty="0" smtClean="0">
+                <a:solidFill>
+                  <a:srgbClr val="FF0000"/>
+                </a:solidFill>
+              </a:rPr>
+              <a:t>）</a:t>
+            </a:r>
+            <a:r>
+              <a:rPr lang="en-US" altLang="ja-JP" sz="1800" dirty="0" smtClean="0">
+                <a:solidFill>
+                  <a:srgbClr val="FF0000"/>
+                </a:solidFill>
+              </a:rPr>
+              <a:t>, (3)</a:t>
+            </a:r>
+            <a:r>
+              <a:rPr lang="ja-JP" altLang="en-US" sz="1800" dirty="0" smtClean="0">
+                <a:solidFill>
+                  <a:srgbClr val="FF0000"/>
+                </a:solidFill>
+              </a:rPr>
+              <a:t>内容</a:t>
+            </a:r>
+            <a:r>
+              <a:rPr lang="ja-JP" altLang="en-US" sz="1800" dirty="0">
+                <a:solidFill>
+                  <a:srgbClr val="FF0000"/>
+                </a:solidFill>
+              </a:rPr>
+              <a:t>の斬新さ（加点対象として</a:t>
+            </a:r>
+            <a:r>
+              <a:rPr lang="ja-JP" altLang="en-US" sz="1800" dirty="0" smtClean="0">
+                <a:solidFill>
+                  <a:srgbClr val="FF0000"/>
+                </a:solidFill>
+              </a:rPr>
+              <a:t>）を</a:t>
+            </a:r>
+            <a:r>
+              <a:rPr lang="ja-JP" altLang="en-US" sz="1800" dirty="0">
+                <a:solidFill>
+                  <a:srgbClr val="FF0000"/>
+                </a:solidFill>
+              </a:rPr>
+              <a:t>基準</a:t>
+            </a:r>
+            <a:r>
+              <a:rPr lang="ja-JP" altLang="en-US" sz="1800" dirty="0" smtClean="0">
+                <a:solidFill>
+                  <a:srgbClr val="FF0000"/>
+                </a:solidFill>
+              </a:rPr>
+              <a:t>に行なう</a:t>
+            </a:r>
+            <a:endParaRPr lang="en-US" altLang="ja-JP" sz="1800" dirty="0">
               <a:solidFill>
                 <a:srgbClr val="FF0000"/>
               </a:solidFill>
@@ -5058,28 +5201,27 @@
           <a:p>
             <a:pPr>
               <a:lnSpc>
-                <a:spcPct val="100000"/>
+                <a:spcPct val="120000"/>
               </a:lnSpc>
               <a:spcBef>
                 <a:spcPts val="600"/>
               </a:spcBef>
             </a:pPr>
-            <a:r>
-              <a:rPr lang="ja-JP" altLang="en-US" sz="1400" dirty="0" smtClean="0">
-                <a:solidFill>
-                  <a:srgbClr val="FF0000"/>
-                </a:solidFill>
-              </a:rPr>
-              <a:t>説明の明瞭</a:t>
-            </a:r>
-            <a:r>
-              <a:rPr lang="ja-JP" altLang="en-US" sz="1400" dirty="0" smtClean="0">
-                <a:solidFill>
-                  <a:srgbClr val="FF0000"/>
-                </a:solidFill>
-              </a:rPr>
-              <a:t>さ</a:t>
-            </a:r>
+            <a:endParaRPr lang="en-US" altLang="ja-JP" sz="1800" dirty="0">
+              <a:solidFill>
+                <a:srgbClr val="FF0000"/>
+              </a:solidFill>
+            </a:endParaRPr>
+          </a:p>
+          <a:p>
+            <a:pPr lvl="1">
+              <a:lnSpc>
+                <a:spcPct val="120000"/>
+              </a:lnSpc>
+              <a:spcBef>
+                <a:spcPts val="600"/>
+              </a:spcBef>
+            </a:pPr>
             <a:endParaRPr lang="ja-JP" altLang="en-US" sz="1400" dirty="0" smtClean="0">
               <a:solidFill>
                 <a:srgbClr val="FF0000"/>
@@ -5087,27 +5229,135 @@
             </a:endParaRPr>
           </a:p>
           <a:p>
-            <a:pPr>
+            <a:pPr lvl="1">
               <a:lnSpc>
-                <a:spcPct val="100000"/>
+                <a:spcPct val="120000"/>
               </a:lnSpc>
               <a:spcBef>
                 <a:spcPts val="600"/>
               </a:spcBef>
             </a:pPr>
-            <a:r>
-              <a:rPr lang="ja-JP" altLang="en-US" sz="1400" dirty="0" smtClean="0">
-                <a:solidFill>
-                  <a:srgbClr val="FF0000"/>
-                </a:solidFill>
-              </a:rPr>
-              <a:t>内容の斬新さ（加点対象として）</a:t>
-            </a:r>
             <a:endParaRPr lang="en-US" altLang="ja-JP" sz="1400" dirty="0">
               <a:solidFill>
                 <a:srgbClr val="FF0000"/>
               </a:solidFill>
             </a:endParaRPr>
+          </a:p>
+        </p:txBody>
+      </p:sp>
+      <p:pic>
+        <p:nvPicPr>
+          <p:cNvPr id="4" name="図 3"/>
+          <p:cNvPicPr>
+            <a:picLocks noChangeAspect="1"/>
+          </p:cNvPicPr>
+          <p:nvPr/>
+        </p:nvPicPr>
+        <p:blipFill rotWithShape="1">
+          <a:blip r:embed="rId2">
+            <a:extLst>
+              <a:ext uri="{28A0092B-C50C-407E-A947-70E740481C1C}">
+                <a14:useLocalDpi xmlns:a14="http://schemas.microsoft.com/office/drawing/2010/main" val="0"/>
+              </a:ext>
+            </a:extLst>
+          </a:blip>
+          <a:srcRect l="61601" t="25683" r="33066" b="67578"/>
+          <a:stretch/>
+        </p:blipFill>
+        <p:spPr>
+          <a:xfrm>
+            <a:off x="9334500" y="438881"/>
+            <a:ext cx="1306649" cy="1237453"/>
+          </a:xfrm>
+          <a:prstGeom prst="rect">
+            <a:avLst/>
+          </a:prstGeom>
+        </p:spPr>
+      </p:pic>
+      <p:pic>
+        <p:nvPicPr>
+          <p:cNvPr id="5" name="図 4"/>
+          <p:cNvPicPr>
+            <a:picLocks noChangeAspect="1"/>
+          </p:cNvPicPr>
+          <p:nvPr/>
+        </p:nvPicPr>
+        <p:blipFill rotWithShape="1">
+          <a:blip r:embed="rId2">
+            <a:extLst>
+              <a:ext uri="{28A0092B-C50C-407E-A947-70E740481C1C}">
+                <a14:useLocalDpi xmlns:a14="http://schemas.microsoft.com/office/drawing/2010/main" val="0"/>
+              </a:ext>
+            </a:extLst>
+          </a:blip>
+          <a:srcRect l="62030" t="20033" r="32637" b="72917"/>
+          <a:stretch/>
+        </p:blipFill>
+        <p:spPr>
+          <a:xfrm>
+            <a:off x="10795000" y="450755"/>
+            <a:ext cx="1219199" cy="1208027"/>
+          </a:xfrm>
+          <a:prstGeom prst="rect">
+            <a:avLst/>
+          </a:prstGeom>
+        </p:spPr>
+      </p:pic>
+      <p:sp>
+        <p:nvSpPr>
+          <p:cNvPr id="2" name="正方形/長方形 1"/>
+          <p:cNvSpPr/>
+          <p:nvPr/>
+        </p:nvSpPr>
+        <p:spPr>
+          <a:xfrm>
+            <a:off x="10956333" y="1694934"/>
+            <a:ext cx="1019831" cy="369332"/>
+          </a:xfrm>
+          <a:prstGeom prst="rect">
+            <a:avLst/>
+          </a:prstGeom>
+        </p:spPr>
+        <p:txBody>
+          <a:bodyPr wrap="none">
+            <a:spAutoFit/>
+          </a:bodyPr>
+          <a:lstStyle/>
+          <a:p>
+            <a:r>
+              <a:rPr lang="ja-JP" altLang="en-US" dirty="0" smtClean="0"/>
+              <a:t>コーナー</a:t>
+            </a:r>
+            <a:endParaRPr lang="ja-JP" altLang="en-US" dirty="0"/>
+          </a:p>
+        </p:txBody>
+      </p:sp>
+      <p:sp>
+        <p:nvSpPr>
+          <p:cNvPr id="6" name="正方形/長方形 5"/>
+          <p:cNvSpPr/>
+          <p:nvPr/>
+        </p:nvSpPr>
+        <p:spPr>
+          <a:xfrm>
+            <a:off x="9635533" y="1694934"/>
+            <a:ext cx="768159" cy="369332"/>
+          </a:xfrm>
+          <a:prstGeom prst="rect">
+            <a:avLst/>
+          </a:prstGeom>
+        </p:spPr>
+        <p:txBody>
+          <a:bodyPr wrap="none">
+            <a:spAutoFit/>
+          </a:bodyPr>
+          <a:lstStyle/>
+          <a:p>
+            <a:r>
+              <a:rPr lang="ja-JP" altLang="en-US" dirty="0" smtClean="0"/>
+              <a:t>エッジ</a:t>
+            </a:r>
+            <a:endParaRPr lang="ja-JP" altLang="en-US" dirty="0"/>
           </a:p>
         </p:txBody>
       </p:sp>
